--- a/design.pptx
+++ b/design.pptx
@@ -1,11 +1,13 @@
 
 <file path=ppt/presentation.xml><?xml version="1.0" encoding="utf-8"?>
-<p:presentation xmlns:a="http://schemas.openxmlformats.org/drawingml/2006/main" xmlns:r="http://schemas.openxmlformats.org/officeDocument/2006/relationships" xmlns:p="http://schemas.openxmlformats.org/presentationml/2006/main" saveSubsetFonts="1">
+<p:presentation xmlns:a="http://schemas.openxmlformats.org/drawingml/2006/main" xmlns:r="http://schemas.openxmlformats.org/officeDocument/2006/relationships" xmlns:p="http://schemas.openxmlformats.org/presentationml/2006/main">
   <p:sldMasterIdLst>
     <p:sldMasterId id="2147483648" r:id="rId1"/>
   </p:sldMasterIdLst>
   <p:sldIdLst>
-    <p:sldId id="256" r:id="rId2"/>
+    <p:sldId id="256" r:id="rId3"/>
+    <p:sldId id="257" r:id="rId4"/>
+    <p:sldId id="258" r:id="rId5"/>
   </p:sldIdLst>
   <p:sldSz cx="12192000" cy="6858000"/>
   <p:notesSz cx="6858000" cy="9144000"/>
@@ -126,13 +128,7 @@
       </p:grpSpPr>
       <p:sp>
         <p:nvSpPr>
-          <p:cNvPr id="2" name="Title 1">
-            <a:extLst>
-              <a:ext uri="{FF2B5EF4-FFF2-40B4-BE49-F238E27FC236}">
-                <a16:creationId xmlns:a16="http://schemas.microsoft.com/office/drawing/2014/main" id="{31F403F2-9167-84DA-A768-CF40DA00C869}"/>
-              </a:ext>
-            </a:extLst>
-          </p:cNvPr>
+          <p:cNvPr id="2" name="Title 1"/>
           <p:cNvSpPr>
             <a:spLocks noGrp="1"/>
           </p:cNvSpPr>
@@ -158,18 +154,13 @@
               <a:rPr lang="en-US"/>
               <a:t>Click to edit Master title style</a:t>
             </a:r>
-          </a:p>
-        </p:txBody>
-      </p:sp>
-      <p:sp>
-        <p:nvSpPr>
-          <p:cNvPr id="3" name="Subtitle 2">
-            <a:extLst>
-              <a:ext uri="{FF2B5EF4-FFF2-40B4-BE49-F238E27FC236}">
-                <a16:creationId xmlns:a16="http://schemas.microsoft.com/office/drawing/2014/main" id="{FFE25DE2-7CC9-77EE-13F5-2E85A2CF7BD3}"/>
-              </a:ext>
-            </a:extLst>
-          </p:cNvPr>
+            <a:endParaRPr lang="en-US"/>
+          </a:p>
+        </p:txBody>
+      </p:sp>
+      <p:sp>
+        <p:nvSpPr>
+          <p:cNvPr id="3" name="Subtitle 2"/>
           <p:cNvSpPr>
             <a:spLocks noGrp="1"/>
           </p:cNvSpPr>
@@ -228,18 +219,13 @@
               <a:rPr lang="en-US"/>
               <a:t>Click to edit Master subtitle style</a:t>
             </a:r>
-          </a:p>
-        </p:txBody>
-      </p:sp>
-      <p:sp>
-        <p:nvSpPr>
-          <p:cNvPr id="4" name="Date Placeholder 3">
-            <a:extLst>
-              <a:ext uri="{FF2B5EF4-FFF2-40B4-BE49-F238E27FC236}">
-                <a16:creationId xmlns:a16="http://schemas.microsoft.com/office/drawing/2014/main" id="{DD53E20F-0DB4-214B-9BC6-19EB43B56816}"/>
-              </a:ext>
-            </a:extLst>
-          </p:cNvPr>
+            <a:endParaRPr lang="en-US"/>
+          </a:p>
+        </p:txBody>
+      </p:sp>
+      <p:sp>
+        <p:nvSpPr>
+          <p:cNvPr id="4" name="Date Placeholder 3"/>
           <p:cNvSpPr>
             <a:spLocks noGrp="1"/>
           </p:cNvSpPr>
@@ -254,7 +240,6 @@
           <a:p>
             <a:fld id="{A6240C48-4297-4D48-BAC0-B15916813DBC}" type="datetimeFigureOut">
               <a:rPr lang="en-US" smtClean="0"/>
-              <a:t>10/23/2024</a:t>
             </a:fld>
             <a:endParaRPr lang="en-US"/>
           </a:p>
@@ -262,13 +247,7 @@
       </p:sp>
       <p:sp>
         <p:nvSpPr>
-          <p:cNvPr id="5" name="Footer Placeholder 4">
-            <a:extLst>
-              <a:ext uri="{FF2B5EF4-FFF2-40B4-BE49-F238E27FC236}">
-                <a16:creationId xmlns:a16="http://schemas.microsoft.com/office/drawing/2014/main" id="{09C280CC-B346-0CBF-78E7-6E2D1B070317}"/>
-              </a:ext>
-            </a:extLst>
-          </p:cNvPr>
+          <p:cNvPr id="5" name="Footer Placeholder 4"/>
           <p:cNvSpPr>
             <a:spLocks noGrp="1"/>
           </p:cNvSpPr>
@@ -287,13 +266,7 @@
       </p:sp>
       <p:sp>
         <p:nvSpPr>
-          <p:cNvPr id="6" name="Slide Number Placeholder 5">
-            <a:extLst>
-              <a:ext uri="{FF2B5EF4-FFF2-40B4-BE49-F238E27FC236}">
-                <a16:creationId xmlns:a16="http://schemas.microsoft.com/office/drawing/2014/main" id="{E3DAC656-E6B4-3755-D69D-533EDA19FEE5}"/>
-              </a:ext>
-            </a:extLst>
-          </p:cNvPr>
+          <p:cNvPr id="6" name="Slide Number Placeholder 5"/>
           <p:cNvSpPr>
             <a:spLocks noGrp="1"/>
           </p:cNvSpPr>
@@ -308,18 +281,12 @@
           <a:p>
             <a:fld id="{40F0A969-D9B5-441D-BA95-EF60B71DBED6}" type="slidenum">
               <a:rPr lang="en-US" smtClean="0"/>
-              <a:t>‹#›</a:t>
             </a:fld>
             <a:endParaRPr lang="en-US"/>
           </a:p>
         </p:txBody>
       </p:sp>
     </p:spTree>
-    <p:extLst>
-      <p:ext uri="{BB962C8B-B14F-4D97-AF65-F5344CB8AC3E}">
-        <p14:creationId xmlns:p14="http://schemas.microsoft.com/office/powerpoint/2010/main" val="3835801730"/>
-      </p:ext>
-    </p:extLst>
   </p:cSld>
   <p:clrMapOvr>
     <a:masterClrMapping/>
@@ -346,13 +313,7 @@
       </p:grpSpPr>
       <p:sp>
         <p:nvSpPr>
-          <p:cNvPr id="2" name="Title 1">
-            <a:extLst>
-              <a:ext uri="{FF2B5EF4-FFF2-40B4-BE49-F238E27FC236}">
-                <a16:creationId xmlns:a16="http://schemas.microsoft.com/office/drawing/2014/main" id="{93509879-20D3-E6E3-49EB-B0A604248F3B}"/>
-              </a:ext>
-            </a:extLst>
-          </p:cNvPr>
+          <p:cNvPr id="2" name="Title 1"/>
           <p:cNvSpPr>
             <a:spLocks noGrp="1"/>
           </p:cNvSpPr>
@@ -369,18 +330,13 @@
               <a:rPr lang="en-US"/>
               <a:t>Click to edit Master title style</a:t>
             </a:r>
-          </a:p>
-        </p:txBody>
-      </p:sp>
-      <p:sp>
-        <p:nvSpPr>
-          <p:cNvPr id="3" name="Vertical Text Placeholder 2">
-            <a:extLst>
-              <a:ext uri="{FF2B5EF4-FFF2-40B4-BE49-F238E27FC236}">
-                <a16:creationId xmlns:a16="http://schemas.microsoft.com/office/drawing/2014/main" id="{433060FD-4166-2E0A-002A-75070DB68AD3}"/>
-              </a:ext>
-            </a:extLst>
-          </p:cNvPr>
+            <a:endParaRPr lang="en-US"/>
+          </a:p>
+        </p:txBody>
+      </p:sp>
+      <p:sp>
+        <p:nvSpPr>
+          <p:cNvPr id="3" name="Vertical Text Placeholder 2"/>
           <p:cNvSpPr>
             <a:spLocks noGrp="1"/>
           </p:cNvSpPr>
@@ -398,6 +354,7 @@
               <a:rPr lang="en-US"/>
               <a:t>Click to edit Master text styles</a:t>
             </a:r>
+            <a:endParaRPr lang="en-US"/>
           </a:p>
           <a:p>
             <a:pPr lvl="1"/>
@@ -405,6 +362,7 @@
               <a:rPr lang="en-US"/>
               <a:t>Second level</a:t>
             </a:r>
+            <a:endParaRPr lang="en-US"/>
           </a:p>
           <a:p>
             <a:pPr lvl="2"/>
@@ -412,6 +370,7 @@
               <a:rPr lang="en-US"/>
               <a:t>Third level</a:t>
             </a:r>
+            <a:endParaRPr lang="en-US"/>
           </a:p>
           <a:p>
             <a:pPr lvl="3"/>
@@ -419,6 +378,7 @@
               <a:rPr lang="en-US"/>
               <a:t>Fourth level</a:t>
             </a:r>
+            <a:endParaRPr lang="en-US"/>
           </a:p>
           <a:p>
             <a:pPr lvl="4"/>
@@ -426,18 +386,13 @@
               <a:rPr lang="en-US"/>
               <a:t>Fifth level</a:t>
             </a:r>
-          </a:p>
-        </p:txBody>
-      </p:sp>
-      <p:sp>
-        <p:nvSpPr>
-          <p:cNvPr id="4" name="Date Placeholder 3">
-            <a:extLst>
-              <a:ext uri="{FF2B5EF4-FFF2-40B4-BE49-F238E27FC236}">
-                <a16:creationId xmlns:a16="http://schemas.microsoft.com/office/drawing/2014/main" id="{DBEA58E6-F674-C960-2C61-F4394A2E27BB}"/>
-              </a:ext>
-            </a:extLst>
-          </p:cNvPr>
+            <a:endParaRPr lang="en-US"/>
+          </a:p>
+        </p:txBody>
+      </p:sp>
+      <p:sp>
+        <p:nvSpPr>
+          <p:cNvPr id="4" name="Date Placeholder 3"/>
           <p:cNvSpPr>
             <a:spLocks noGrp="1"/>
           </p:cNvSpPr>
@@ -452,7 +407,6 @@
           <a:p>
             <a:fld id="{A6240C48-4297-4D48-BAC0-B15916813DBC}" type="datetimeFigureOut">
               <a:rPr lang="en-US" smtClean="0"/>
-              <a:t>10/23/2024</a:t>
             </a:fld>
             <a:endParaRPr lang="en-US"/>
           </a:p>
@@ -460,13 +414,7 @@
       </p:sp>
       <p:sp>
         <p:nvSpPr>
-          <p:cNvPr id="5" name="Footer Placeholder 4">
-            <a:extLst>
-              <a:ext uri="{FF2B5EF4-FFF2-40B4-BE49-F238E27FC236}">
-                <a16:creationId xmlns:a16="http://schemas.microsoft.com/office/drawing/2014/main" id="{63711756-2320-55DD-FDA5-2D341ADEBA5B}"/>
-              </a:ext>
-            </a:extLst>
-          </p:cNvPr>
+          <p:cNvPr id="5" name="Footer Placeholder 4"/>
           <p:cNvSpPr>
             <a:spLocks noGrp="1"/>
           </p:cNvSpPr>
@@ -485,13 +433,7 @@
       </p:sp>
       <p:sp>
         <p:nvSpPr>
-          <p:cNvPr id="6" name="Slide Number Placeholder 5">
-            <a:extLst>
-              <a:ext uri="{FF2B5EF4-FFF2-40B4-BE49-F238E27FC236}">
-                <a16:creationId xmlns:a16="http://schemas.microsoft.com/office/drawing/2014/main" id="{FAB02DFE-D325-3184-E044-93A28E70AA6E}"/>
-              </a:ext>
-            </a:extLst>
-          </p:cNvPr>
+          <p:cNvPr id="6" name="Slide Number Placeholder 5"/>
           <p:cNvSpPr>
             <a:spLocks noGrp="1"/>
           </p:cNvSpPr>
@@ -506,18 +448,12 @@
           <a:p>
             <a:fld id="{40F0A969-D9B5-441D-BA95-EF60B71DBED6}" type="slidenum">
               <a:rPr lang="en-US" smtClean="0"/>
-              <a:t>‹#›</a:t>
             </a:fld>
             <a:endParaRPr lang="en-US"/>
           </a:p>
         </p:txBody>
       </p:sp>
     </p:spTree>
-    <p:extLst>
-      <p:ext uri="{BB962C8B-B14F-4D97-AF65-F5344CB8AC3E}">
-        <p14:creationId xmlns:p14="http://schemas.microsoft.com/office/powerpoint/2010/main" val="2084657884"/>
-      </p:ext>
-    </p:extLst>
   </p:cSld>
   <p:clrMapOvr>
     <a:masterClrMapping/>
@@ -544,13 +480,7 @@
       </p:grpSpPr>
       <p:sp>
         <p:nvSpPr>
-          <p:cNvPr id="2" name="Vertical Title 1">
-            <a:extLst>
-              <a:ext uri="{FF2B5EF4-FFF2-40B4-BE49-F238E27FC236}">
-                <a16:creationId xmlns:a16="http://schemas.microsoft.com/office/drawing/2014/main" id="{D1F680D9-4963-87B6-4EE8-B1206A39D404}"/>
-              </a:ext>
-            </a:extLst>
-          </p:cNvPr>
+          <p:cNvPr id="2" name="Vertical Title 1"/>
           <p:cNvSpPr>
             <a:spLocks noGrp="1"/>
           </p:cNvSpPr>
@@ -572,18 +502,13 @@
               <a:rPr lang="en-US"/>
               <a:t>Click to edit Master title style</a:t>
             </a:r>
-          </a:p>
-        </p:txBody>
-      </p:sp>
-      <p:sp>
-        <p:nvSpPr>
-          <p:cNvPr id="3" name="Vertical Text Placeholder 2">
-            <a:extLst>
-              <a:ext uri="{FF2B5EF4-FFF2-40B4-BE49-F238E27FC236}">
-                <a16:creationId xmlns:a16="http://schemas.microsoft.com/office/drawing/2014/main" id="{3126179F-44E6-3892-3B4F-0B4785B8A821}"/>
-              </a:ext>
-            </a:extLst>
-          </p:cNvPr>
+            <a:endParaRPr lang="en-US"/>
+          </a:p>
+        </p:txBody>
+      </p:sp>
+      <p:sp>
+        <p:nvSpPr>
+          <p:cNvPr id="3" name="Vertical Text Placeholder 2"/>
           <p:cNvSpPr>
             <a:spLocks noGrp="1"/>
           </p:cNvSpPr>
@@ -606,6 +531,7 @@
               <a:rPr lang="en-US"/>
               <a:t>Click to edit Master text styles</a:t>
             </a:r>
+            <a:endParaRPr lang="en-US"/>
           </a:p>
           <a:p>
             <a:pPr lvl="1"/>
@@ -613,6 +539,7 @@
               <a:rPr lang="en-US"/>
               <a:t>Second level</a:t>
             </a:r>
+            <a:endParaRPr lang="en-US"/>
           </a:p>
           <a:p>
             <a:pPr lvl="2"/>
@@ -620,6 +547,7 @@
               <a:rPr lang="en-US"/>
               <a:t>Third level</a:t>
             </a:r>
+            <a:endParaRPr lang="en-US"/>
           </a:p>
           <a:p>
             <a:pPr lvl="3"/>
@@ -627,6 +555,7 @@
               <a:rPr lang="en-US"/>
               <a:t>Fourth level</a:t>
             </a:r>
+            <a:endParaRPr lang="en-US"/>
           </a:p>
           <a:p>
             <a:pPr lvl="4"/>
@@ -634,18 +563,13 @@
               <a:rPr lang="en-US"/>
               <a:t>Fifth level</a:t>
             </a:r>
-          </a:p>
-        </p:txBody>
-      </p:sp>
-      <p:sp>
-        <p:nvSpPr>
-          <p:cNvPr id="4" name="Date Placeholder 3">
-            <a:extLst>
-              <a:ext uri="{FF2B5EF4-FFF2-40B4-BE49-F238E27FC236}">
-                <a16:creationId xmlns:a16="http://schemas.microsoft.com/office/drawing/2014/main" id="{C2ABC7AD-E3E7-56AE-2D76-447C80EF2188}"/>
-              </a:ext>
-            </a:extLst>
-          </p:cNvPr>
+            <a:endParaRPr lang="en-US"/>
+          </a:p>
+        </p:txBody>
+      </p:sp>
+      <p:sp>
+        <p:nvSpPr>
+          <p:cNvPr id="4" name="Date Placeholder 3"/>
           <p:cNvSpPr>
             <a:spLocks noGrp="1"/>
           </p:cNvSpPr>
@@ -660,7 +584,6 @@
           <a:p>
             <a:fld id="{A6240C48-4297-4D48-BAC0-B15916813DBC}" type="datetimeFigureOut">
               <a:rPr lang="en-US" smtClean="0"/>
-              <a:t>10/23/2024</a:t>
             </a:fld>
             <a:endParaRPr lang="en-US"/>
           </a:p>
@@ -668,13 +591,7 @@
       </p:sp>
       <p:sp>
         <p:nvSpPr>
-          <p:cNvPr id="5" name="Footer Placeholder 4">
-            <a:extLst>
-              <a:ext uri="{FF2B5EF4-FFF2-40B4-BE49-F238E27FC236}">
-                <a16:creationId xmlns:a16="http://schemas.microsoft.com/office/drawing/2014/main" id="{0BC1DCAA-B018-5BE6-FE07-144794C0D4A3}"/>
-              </a:ext>
-            </a:extLst>
-          </p:cNvPr>
+          <p:cNvPr id="5" name="Footer Placeholder 4"/>
           <p:cNvSpPr>
             <a:spLocks noGrp="1"/>
           </p:cNvSpPr>
@@ -693,13 +610,7 @@
       </p:sp>
       <p:sp>
         <p:nvSpPr>
-          <p:cNvPr id="6" name="Slide Number Placeholder 5">
-            <a:extLst>
-              <a:ext uri="{FF2B5EF4-FFF2-40B4-BE49-F238E27FC236}">
-                <a16:creationId xmlns:a16="http://schemas.microsoft.com/office/drawing/2014/main" id="{50D9A345-49C1-3EFF-8C92-5D6CDEB4A2C6}"/>
-              </a:ext>
-            </a:extLst>
-          </p:cNvPr>
+          <p:cNvPr id="6" name="Slide Number Placeholder 5"/>
           <p:cNvSpPr>
             <a:spLocks noGrp="1"/>
           </p:cNvSpPr>
@@ -714,18 +625,12 @@
           <a:p>
             <a:fld id="{40F0A969-D9B5-441D-BA95-EF60B71DBED6}" type="slidenum">
               <a:rPr lang="en-US" smtClean="0"/>
-              <a:t>‹#›</a:t>
             </a:fld>
             <a:endParaRPr lang="en-US"/>
           </a:p>
         </p:txBody>
       </p:sp>
     </p:spTree>
-    <p:extLst>
-      <p:ext uri="{BB962C8B-B14F-4D97-AF65-F5344CB8AC3E}">
-        <p14:creationId xmlns:p14="http://schemas.microsoft.com/office/powerpoint/2010/main" val="116164767"/>
-      </p:ext>
-    </p:extLst>
   </p:cSld>
   <p:clrMapOvr>
     <a:masterClrMapping/>
@@ -752,13 +657,7 @@
       </p:grpSpPr>
       <p:sp>
         <p:nvSpPr>
-          <p:cNvPr id="2" name="Title 1">
-            <a:extLst>
-              <a:ext uri="{FF2B5EF4-FFF2-40B4-BE49-F238E27FC236}">
-                <a16:creationId xmlns:a16="http://schemas.microsoft.com/office/drawing/2014/main" id="{ABE79719-0D3A-25AF-19EA-A16DA9CE80F4}"/>
-              </a:ext>
-            </a:extLst>
-          </p:cNvPr>
+          <p:cNvPr id="2" name="Title 1"/>
           <p:cNvSpPr>
             <a:spLocks noGrp="1"/>
           </p:cNvSpPr>
@@ -775,18 +674,13 @@
               <a:rPr lang="en-US"/>
               <a:t>Click to edit Master title style</a:t>
             </a:r>
-          </a:p>
-        </p:txBody>
-      </p:sp>
-      <p:sp>
-        <p:nvSpPr>
-          <p:cNvPr id="3" name="Content Placeholder 2">
-            <a:extLst>
-              <a:ext uri="{FF2B5EF4-FFF2-40B4-BE49-F238E27FC236}">
-                <a16:creationId xmlns:a16="http://schemas.microsoft.com/office/drawing/2014/main" id="{5DE03BE7-B97B-03D9-615A-F168CEFE1473}"/>
-              </a:ext>
-            </a:extLst>
-          </p:cNvPr>
+            <a:endParaRPr lang="en-US"/>
+          </a:p>
+        </p:txBody>
+      </p:sp>
+      <p:sp>
+        <p:nvSpPr>
+          <p:cNvPr id="3" name="Content Placeholder 2"/>
           <p:cNvSpPr>
             <a:spLocks noGrp="1"/>
           </p:cNvSpPr>
@@ -804,6 +698,7 @@
               <a:rPr lang="en-US"/>
               <a:t>Click to edit Master text styles</a:t>
             </a:r>
+            <a:endParaRPr lang="en-US"/>
           </a:p>
           <a:p>
             <a:pPr lvl="1"/>
@@ -811,6 +706,7 @@
               <a:rPr lang="en-US"/>
               <a:t>Second level</a:t>
             </a:r>
+            <a:endParaRPr lang="en-US"/>
           </a:p>
           <a:p>
             <a:pPr lvl="2"/>
@@ -818,6 +714,7 @@
               <a:rPr lang="en-US"/>
               <a:t>Third level</a:t>
             </a:r>
+            <a:endParaRPr lang="en-US"/>
           </a:p>
           <a:p>
             <a:pPr lvl="3"/>
@@ -825,6 +722,7 @@
               <a:rPr lang="en-US"/>
               <a:t>Fourth level</a:t>
             </a:r>
+            <a:endParaRPr lang="en-US"/>
           </a:p>
           <a:p>
             <a:pPr lvl="4"/>
@@ -832,18 +730,13 @@
               <a:rPr lang="en-US"/>
               <a:t>Fifth level</a:t>
             </a:r>
-          </a:p>
-        </p:txBody>
-      </p:sp>
-      <p:sp>
-        <p:nvSpPr>
-          <p:cNvPr id="4" name="Date Placeholder 3">
-            <a:extLst>
-              <a:ext uri="{FF2B5EF4-FFF2-40B4-BE49-F238E27FC236}">
-                <a16:creationId xmlns:a16="http://schemas.microsoft.com/office/drawing/2014/main" id="{E3D00AF4-61DA-B0A4-3C90-18AD82966FD2}"/>
-              </a:ext>
-            </a:extLst>
-          </p:cNvPr>
+            <a:endParaRPr lang="en-US"/>
+          </a:p>
+        </p:txBody>
+      </p:sp>
+      <p:sp>
+        <p:nvSpPr>
+          <p:cNvPr id="4" name="Date Placeholder 3"/>
           <p:cNvSpPr>
             <a:spLocks noGrp="1"/>
           </p:cNvSpPr>
@@ -858,7 +751,6 @@
           <a:p>
             <a:fld id="{A6240C48-4297-4D48-BAC0-B15916813DBC}" type="datetimeFigureOut">
               <a:rPr lang="en-US" smtClean="0"/>
-              <a:t>10/23/2024</a:t>
             </a:fld>
             <a:endParaRPr lang="en-US"/>
           </a:p>
@@ -866,13 +758,7 @@
       </p:sp>
       <p:sp>
         <p:nvSpPr>
-          <p:cNvPr id="5" name="Footer Placeholder 4">
-            <a:extLst>
-              <a:ext uri="{FF2B5EF4-FFF2-40B4-BE49-F238E27FC236}">
-                <a16:creationId xmlns:a16="http://schemas.microsoft.com/office/drawing/2014/main" id="{A4E23482-F436-133C-1B6A-2070638EB7F6}"/>
-              </a:ext>
-            </a:extLst>
-          </p:cNvPr>
+          <p:cNvPr id="5" name="Footer Placeholder 4"/>
           <p:cNvSpPr>
             <a:spLocks noGrp="1"/>
           </p:cNvSpPr>
@@ -891,13 +777,7 @@
       </p:sp>
       <p:sp>
         <p:nvSpPr>
-          <p:cNvPr id="6" name="Slide Number Placeholder 5">
-            <a:extLst>
-              <a:ext uri="{FF2B5EF4-FFF2-40B4-BE49-F238E27FC236}">
-                <a16:creationId xmlns:a16="http://schemas.microsoft.com/office/drawing/2014/main" id="{C73D95B0-CE9B-8176-C4BD-5258B75B3010}"/>
-              </a:ext>
-            </a:extLst>
-          </p:cNvPr>
+          <p:cNvPr id="6" name="Slide Number Placeholder 5"/>
           <p:cNvSpPr>
             <a:spLocks noGrp="1"/>
           </p:cNvSpPr>
@@ -912,18 +792,12 @@
           <a:p>
             <a:fld id="{40F0A969-D9B5-441D-BA95-EF60B71DBED6}" type="slidenum">
               <a:rPr lang="en-US" smtClean="0"/>
-              <a:t>‹#›</a:t>
             </a:fld>
             <a:endParaRPr lang="en-US"/>
           </a:p>
         </p:txBody>
       </p:sp>
     </p:spTree>
-    <p:extLst>
-      <p:ext uri="{BB962C8B-B14F-4D97-AF65-F5344CB8AC3E}">
-        <p14:creationId xmlns:p14="http://schemas.microsoft.com/office/powerpoint/2010/main" val="1152914604"/>
-      </p:ext>
-    </p:extLst>
   </p:cSld>
   <p:clrMapOvr>
     <a:masterClrMapping/>
@@ -950,13 +824,7 @@
       </p:grpSpPr>
       <p:sp>
         <p:nvSpPr>
-          <p:cNvPr id="2" name="Title 1">
-            <a:extLst>
-              <a:ext uri="{FF2B5EF4-FFF2-40B4-BE49-F238E27FC236}">
-                <a16:creationId xmlns:a16="http://schemas.microsoft.com/office/drawing/2014/main" id="{DF136AF8-88FC-4D75-6A85-CECFABE952A9}"/>
-              </a:ext>
-            </a:extLst>
-          </p:cNvPr>
+          <p:cNvPr id="2" name="Title 1"/>
           <p:cNvSpPr>
             <a:spLocks noGrp="1"/>
           </p:cNvSpPr>
@@ -982,18 +850,13 @@
               <a:rPr lang="en-US"/>
               <a:t>Click to edit Master title style</a:t>
             </a:r>
-          </a:p>
-        </p:txBody>
-      </p:sp>
-      <p:sp>
-        <p:nvSpPr>
-          <p:cNvPr id="3" name="Text Placeholder 2">
-            <a:extLst>
-              <a:ext uri="{FF2B5EF4-FFF2-40B4-BE49-F238E27FC236}">
-                <a16:creationId xmlns:a16="http://schemas.microsoft.com/office/drawing/2014/main" id="{7A29B9F6-7766-4449-4838-731F9F133C6F}"/>
-              </a:ext>
-            </a:extLst>
-          </p:cNvPr>
+            <a:endParaRPr lang="en-US"/>
+          </a:p>
+        </p:txBody>
+      </p:sp>
+      <p:sp>
+        <p:nvSpPr>
+          <p:cNvPr id="3" name="Text Placeholder 2"/>
           <p:cNvSpPr>
             <a:spLocks noGrp="1"/>
           </p:cNvSpPr>
@@ -1107,18 +970,13 @@
               <a:rPr lang="en-US"/>
               <a:t>Click to edit Master text styles</a:t>
             </a:r>
-          </a:p>
-        </p:txBody>
-      </p:sp>
-      <p:sp>
-        <p:nvSpPr>
-          <p:cNvPr id="4" name="Date Placeholder 3">
-            <a:extLst>
-              <a:ext uri="{FF2B5EF4-FFF2-40B4-BE49-F238E27FC236}">
-                <a16:creationId xmlns:a16="http://schemas.microsoft.com/office/drawing/2014/main" id="{2F337323-8056-E9FD-C393-521A43ABAB1D}"/>
-              </a:ext>
-            </a:extLst>
-          </p:cNvPr>
+            <a:endParaRPr lang="en-US"/>
+          </a:p>
+        </p:txBody>
+      </p:sp>
+      <p:sp>
+        <p:nvSpPr>
+          <p:cNvPr id="4" name="Date Placeholder 3"/>
           <p:cNvSpPr>
             <a:spLocks noGrp="1"/>
           </p:cNvSpPr>
@@ -1133,7 +991,6 @@
           <a:p>
             <a:fld id="{A6240C48-4297-4D48-BAC0-B15916813DBC}" type="datetimeFigureOut">
               <a:rPr lang="en-US" smtClean="0"/>
-              <a:t>10/23/2024</a:t>
             </a:fld>
             <a:endParaRPr lang="en-US"/>
           </a:p>
@@ -1141,13 +998,7 @@
       </p:sp>
       <p:sp>
         <p:nvSpPr>
-          <p:cNvPr id="5" name="Footer Placeholder 4">
-            <a:extLst>
-              <a:ext uri="{FF2B5EF4-FFF2-40B4-BE49-F238E27FC236}">
-                <a16:creationId xmlns:a16="http://schemas.microsoft.com/office/drawing/2014/main" id="{F8467275-23F1-4C94-9440-3C089DC0C4B0}"/>
-              </a:ext>
-            </a:extLst>
-          </p:cNvPr>
+          <p:cNvPr id="5" name="Footer Placeholder 4"/>
           <p:cNvSpPr>
             <a:spLocks noGrp="1"/>
           </p:cNvSpPr>
@@ -1166,13 +1017,7 @@
       </p:sp>
       <p:sp>
         <p:nvSpPr>
-          <p:cNvPr id="6" name="Slide Number Placeholder 5">
-            <a:extLst>
-              <a:ext uri="{FF2B5EF4-FFF2-40B4-BE49-F238E27FC236}">
-                <a16:creationId xmlns:a16="http://schemas.microsoft.com/office/drawing/2014/main" id="{1A365D6A-90B4-FFA4-25C1-AAD5ECA2AF9F}"/>
-              </a:ext>
-            </a:extLst>
-          </p:cNvPr>
+          <p:cNvPr id="6" name="Slide Number Placeholder 5"/>
           <p:cNvSpPr>
             <a:spLocks noGrp="1"/>
           </p:cNvSpPr>
@@ -1187,18 +1032,12 @@
           <a:p>
             <a:fld id="{40F0A969-D9B5-441D-BA95-EF60B71DBED6}" type="slidenum">
               <a:rPr lang="en-US" smtClean="0"/>
-              <a:t>‹#›</a:t>
             </a:fld>
             <a:endParaRPr lang="en-US"/>
           </a:p>
         </p:txBody>
       </p:sp>
     </p:spTree>
-    <p:extLst>
-      <p:ext uri="{BB962C8B-B14F-4D97-AF65-F5344CB8AC3E}">
-        <p14:creationId xmlns:p14="http://schemas.microsoft.com/office/powerpoint/2010/main" val="193639915"/>
-      </p:ext>
-    </p:extLst>
   </p:cSld>
   <p:clrMapOvr>
     <a:masterClrMapping/>
@@ -1225,13 +1064,7 @@
       </p:grpSpPr>
       <p:sp>
         <p:nvSpPr>
-          <p:cNvPr id="2" name="Title 1">
-            <a:extLst>
-              <a:ext uri="{FF2B5EF4-FFF2-40B4-BE49-F238E27FC236}">
-                <a16:creationId xmlns:a16="http://schemas.microsoft.com/office/drawing/2014/main" id="{2D2EE620-1834-5F6A-2FF3-F98D57E44CB7}"/>
-              </a:ext>
-            </a:extLst>
-          </p:cNvPr>
+          <p:cNvPr id="2" name="Title 1"/>
           <p:cNvSpPr>
             <a:spLocks noGrp="1"/>
           </p:cNvSpPr>
@@ -1248,18 +1081,13 @@
               <a:rPr lang="en-US"/>
               <a:t>Click to edit Master title style</a:t>
             </a:r>
-          </a:p>
-        </p:txBody>
-      </p:sp>
-      <p:sp>
-        <p:nvSpPr>
-          <p:cNvPr id="3" name="Content Placeholder 2">
-            <a:extLst>
-              <a:ext uri="{FF2B5EF4-FFF2-40B4-BE49-F238E27FC236}">
-                <a16:creationId xmlns:a16="http://schemas.microsoft.com/office/drawing/2014/main" id="{988BF92C-AE63-6D98-9AB8-CE5E9BFDBE70}"/>
-              </a:ext>
-            </a:extLst>
-          </p:cNvPr>
+            <a:endParaRPr lang="en-US"/>
+          </a:p>
+        </p:txBody>
+      </p:sp>
+      <p:sp>
+        <p:nvSpPr>
+          <p:cNvPr id="3" name="Content Placeholder 2"/>
           <p:cNvSpPr>
             <a:spLocks noGrp="1"/>
           </p:cNvSpPr>
@@ -1282,6 +1110,7 @@
               <a:rPr lang="en-US"/>
               <a:t>Click to edit Master text styles</a:t>
             </a:r>
+            <a:endParaRPr lang="en-US"/>
           </a:p>
           <a:p>
             <a:pPr lvl="1"/>
@@ -1289,6 +1118,7 @@
               <a:rPr lang="en-US"/>
               <a:t>Second level</a:t>
             </a:r>
+            <a:endParaRPr lang="en-US"/>
           </a:p>
           <a:p>
             <a:pPr lvl="2"/>
@@ -1296,6 +1126,7 @@
               <a:rPr lang="en-US"/>
               <a:t>Third level</a:t>
             </a:r>
+            <a:endParaRPr lang="en-US"/>
           </a:p>
           <a:p>
             <a:pPr lvl="3"/>
@@ -1303,6 +1134,7 @@
               <a:rPr lang="en-US"/>
               <a:t>Fourth level</a:t>
             </a:r>
+            <a:endParaRPr lang="en-US"/>
           </a:p>
           <a:p>
             <a:pPr lvl="4"/>
@@ -1310,18 +1142,13 @@
               <a:rPr lang="en-US"/>
               <a:t>Fifth level</a:t>
             </a:r>
-          </a:p>
-        </p:txBody>
-      </p:sp>
-      <p:sp>
-        <p:nvSpPr>
-          <p:cNvPr id="4" name="Content Placeholder 3">
-            <a:extLst>
-              <a:ext uri="{FF2B5EF4-FFF2-40B4-BE49-F238E27FC236}">
-                <a16:creationId xmlns:a16="http://schemas.microsoft.com/office/drawing/2014/main" id="{3B78CCFC-34FB-03AE-F49D-EE84150101D1}"/>
-              </a:ext>
-            </a:extLst>
-          </p:cNvPr>
+            <a:endParaRPr lang="en-US"/>
+          </a:p>
+        </p:txBody>
+      </p:sp>
+      <p:sp>
+        <p:nvSpPr>
+          <p:cNvPr id="4" name="Content Placeholder 3"/>
           <p:cNvSpPr>
             <a:spLocks noGrp="1"/>
           </p:cNvSpPr>
@@ -1344,6 +1171,7 @@
               <a:rPr lang="en-US"/>
               <a:t>Click to edit Master text styles</a:t>
             </a:r>
+            <a:endParaRPr lang="en-US"/>
           </a:p>
           <a:p>
             <a:pPr lvl="1"/>
@@ -1351,6 +1179,7 @@
               <a:rPr lang="en-US"/>
               <a:t>Second level</a:t>
             </a:r>
+            <a:endParaRPr lang="en-US"/>
           </a:p>
           <a:p>
             <a:pPr lvl="2"/>
@@ -1358,6 +1187,7 @@
               <a:rPr lang="en-US"/>
               <a:t>Third level</a:t>
             </a:r>
+            <a:endParaRPr lang="en-US"/>
           </a:p>
           <a:p>
             <a:pPr lvl="3"/>
@@ -1365,6 +1195,7 @@
               <a:rPr lang="en-US"/>
               <a:t>Fourth level</a:t>
             </a:r>
+            <a:endParaRPr lang="en-US"/>
           </a:p>
           <a:p>
             <a:pPr lvl="4"/>
@@ -1372,18 +1203,13 @@
               <a:rPr lang="en-US"/>
               <a:t>Fifth level</a:t>
             </a:r>
-          </a:p>
-        </p:txBody>
-      </p:sp>
-      <p:sp>
-        <p:nvSpPr>
-          <p:cNvPr id="5" name="Date Placeholder 4">
-            <a:extLst>
-              <a:ext uri="{FF2B5EF4-FFF2-40B4-BE49-F238E27FC236}">
-                <a16:creationId xmlns:a16="http://schemas.microsoft.com/office/drawing/2014/main" id="{DCCB34E5-D21E-05F0-7C6B-86282B2765C4}"/>
-              </a:ext>
-            </a:extLst>
-          </p:cNvPr>
+            <a:endParaRPr lang="en-US"/>
+          </a:p>
+        </p:txBody>
+      </p:sp>
+      <p:sp>
+        <p:nvSpPr>
+          <p:cNvPr id="5" name="Date Placeholder 4"/>
           <p:cNvSpPr>
             <a:spLocks noGrp="1"/>
           </p:cNvSpPr>
@@ -1398,7 +1224,6 @@
           <a:p>
             <a:fld id="{A6240C48-4297-4D48-BAC0-B15916813DBC}" type="datetimeFigureOut">
               <a:rPr lang="en-US" smtClean="0"/>
-              <a:t>10/23/2024</a:t>
             </a:fld>
             <a:endParaRPr lang="en-US"/>
           </a:p>
@@ -1406,13 +1231,7 @@
       </p:sp>
       <p:sp>
         <p:nvSpPr>
-          <p:cNvPr id="6" name="Footer Placeholder 5">
-            <a:extLst>
-              <a:ext uri="{FF2B5EF4-FFF2-40B4-BE49-F238E27FC236}">
-                <a16:creationId xmlns:a16="http://schemas.microsoft.com/office/drawing/2014/main" id="{39F7227D-5526-92FF-3B9E-1F06D1538C55}"/>
-              </a:ext>
-            </a:extLst>
-          </p:cNvPr>
+          <p:cNvPr id="6" name="Footer Placeholder 5"/>
           <p:cNvSpPr>
             <a:spLocks noGrp="1"/>
           </p:cNvSpPr>
@@ -1431,13 +1250,7 @@
       </p:sp>
       <p:sp>
         <p:nvSpPr>
-          <p:cNvPr id="7" name="Slide Number Placeholder 6">
-            <a:extLst>
-              <a:ext uri="{FF2B5EF4-FFF2-40B4-BE49-F238E27FC236}">
-                <a16:creationId xmlns:a16="http://schemas.microsoft.com/office/drawing/2014/main" id="{1C86E279-DA71-A4BC-FE0E-B2ACFA0CC46F}"/>
-              </a:ext>
-            </a:extLst>
-          </p:cNvPr>
+          <p:cNvPr id="7" name="Slide Number Placeholder 6"/>
           <p:cNvSpPr>
             <a:spLocks noGrp="1"/>
           </p:cNvSpPr>
@@ -1452,18 +1265,12 @@
           <a:p>
             <a:fld id="{40F0A969-D9B5-441D-BA95-EF60B71DBED6}" type="slidenum">
               <a:rPr lang="en-US" smtClean="0"/>
-              <a:t>‹#›</a:t>
             </a:fld>
             <a:endParaRPr lang="en-US"/>
           </a:p>
         </p:txBody>
       </p:sp>
     </p:spTree>
-    <p:extLst>
-      <p:ext uri="{BB962C8B-B14F-4D97-AF65-F5344CB8AC3E}">
-        <p14:creationId xmlns:p14="http://schemas.microsoft.com/office/powerpoint/2010/main" val="556494251"/>
-      </p:ext>
-    </p:extLst>
   </p:cSld>
   <p:clrMapOvr>
     <a:masterClrMapping/>
@@ -1490,13 +1297,7 @@
       </p:grpSpPr>
       <p:sp>
         <p:nvSpPr>
-          <p:cNvPr id="2" name="Title 1">
-            <a:extLst>
-              <a:ext uri="{FF2B5EF4-FFF2-40B4-BE49-F238E27FC236}">
-                <a16:creationId xmlns:a16="http://schemas.microsoft.com/office/drawing/2014/main" id="{B25F17A4-2CDB-5FED-0780-EC2BEAD89668}"/>
-              </a:ext>
-            </a:extLst>
-          </p:cNvPr>
+          <p:cNvPr id="2" name="Title 1"/>
           <p:cNvSpPr>
             <a:spLocks noGrp="1"/>
           </p:cNvSpPr>
@@ -1518,18 +1319,13 @@
               <a:rPr lang="en-US"/>
               <a:t>Click to edit Master title style</a:t>
             </a:r>
-          </a:p>
-        </p:txBody>
-      </p:sp>
-      <p:sp>
-        <p:nvSpPr>
-          <p:cNvPr id="3" name="Text Placeholder 2">
-            <a:extLst>
-              <a:ext uri="{FF2B5EF4-FFF2-40B4-BE49-F238E27FC236}">
-                <a16:creationId xmlns:a16="http://schemas.microsoft.com/office/drawing/2014/main" id="{E674A6B5-021B-327C-A665-6F6462A84FCA}"/>
-              </a:ext>
-            </a:extLst>
-          </p:cNvPr>
+            <a:endParaRPr lang="en-US"/>
+          </a:p>
+        </p:txBody>
+      </p:sp>
+      <p:sp>
+        <p:nvSpPr>
+          <p:cNvPr id="3" name="Text Placeholder 2"/>
           <p:cNvSpPr>
             <a:spLocks noGrp="1"/>
           </p:cNvSpPr>
@@ -1589,18 +1385,13 @@
               <a:rPr lang="en-US"/>
               <a:t>Click to edit Master text styles</a:t>
             </a:r>
-          </a:p>
-        </p:txBody>
-      </p:sp>
-      <p:sp>
-        <p:nvSpPr>
-          <p:cNvPr id="4" name="Content Placeholder 3">
-            <a:extLst>
-              <a:ext uri="{FF2B5EF4-FFF2-40B4-BE49-F238E27FC236}">
-                <a16:creationId xmlns:a16="http://schemas.microsoft.com/office/drawing/2014/main" id="{90420F32-2617-88BC-88AA-7007E7B7FB8B}"/>
-              </a:ext>
-            </a:extLst>
-          </p:cNvPr>
+            <a:endParaRPr lang="en-US"/>
+          </a:p>
+        </p:txBody>
+      </p:sp>
+      <p:sp>
+        <p:nvSpPr>
+          <p:cNvPr id="4" name="Content Placeholder 3"/>
           <p:cNvSpPr>
             <a:spLocks noGrp="1"/>
           </p:cNvSpPr>
@@ -1623,6 +1414,7 @@
               <a:rPr lang="en-US"/>
               <a:t>Click to edit Master text styles</a:t>
             </a:r>
+            <a:endParaRPr lang="en-US"/>
           </a:p>
           <a:p>
             <a:pPr lvl="1"/>
@@ -1630,6 +1422,7 @@
               <a:rPr lang="en-US"/>
               <a:t>Second level</a:t>
             </a:r>
+            <a:endParaRPr lang="en-US"/>
           </a:p>
           <a:p>
             <a:pPr lvl="2"/>
@@ -1637,6 +1430,7 @@
               <a:rPr lang="en-US"/>
               <a:t>Third level</a:t>
             </a:r>
+            <a:endParaRPr lang="en-US"/>
           </a:p>
           <a:p>
             <a:pPr lvl="3"/>
@@ -1644,6 +1438,7 @@
               <a:rPr lang="en-US"/>
               <a:t>Fourth level</a:t>
             </a:r>
+            <a:endParaRPr lang="en-US"/>
           </a:p>
           <a:p>
             <a:pPr lvl="4"/>
@@ -1651,18 +1446,13 @@
               <a:rPr lang="en-US"/>
               <a:t>Fifth level</a:t>
             </a:r>
-          </a:p>
-        </p:txBody>
-      </p:sp>
-      <p:sp>
-        <p:nvSpPr>
-          <p:cNvPr id="5" name="Text Placeholder 4">
-            <a:extLst>
-              <a:ext uri="{FF2B5EF4-FFF2-40B4-BE49-F238E27FC236}">
-                <a16:creationId xmlns:a16="http://schemas.microsoft.com/office/drawing/2014/main" id="{83DAA972-D5D6-31AB-C5C1-4E3B35B89876}"/>
-              </a:ext>
-            </a:extLst>
-          </p:cNvPr>
+            <a:endParaRPr lang="en-US"/>
+          </a:p>
+        </p:txBody>
+      </p:sp>
+      <p:sp>
+        <p:nvSpPr>
+          <p:cNvPr id="5" name="Text Placeholder 4"/>
           <p:cNvSpPr>
             <a:spLocks noGrp="1"/>
           </p:cNvSpPr>
@@ -1722,18 +1512,13 @@
               <a:rPr lang="en-US"/>
               <a:t>Click to edit Master text styles</a:t>
             </a:r>
-          </a:p>
-        </p:txBody>
-      </p:sp>
-      <p:sp>
-        <p:nvSpPr>
-          <p:cNvPr id="6" name="Content Placeholder 5">
-            <a:extLst>
-              <a:ext uri="{FF2B5EF4-FFF2-40B4-BE49-F238E27FC236}">
-                <a16:creationId xmlns:a16="http://schemas.microsoft.com/office/drawing/2014/main" id="{6584B589-7569-D1B6-7447-1B2EF417A258}"/>
-              </a:ext>
-            </a:extLst>
-          </p:cNvPr>
+            <a:endParaRPr lang="en-US"/>
+          </a:p>
+        </p:txBody>
+      </p:sp>
+      <p:sp>
+        <p:nvSpPr>
+          <p:cNvPr id="6" name="Content Placeholder 5"/>
           <p:cNvSpPr>
             <a:spLocks noGrp="1"/>
           </p:cNvSpPr>
@@ -1756,6 +1541,7 @@
               <a:rPr lang="en-US"/>
               <a:t>Click to edit Master text styles</a:t>
             </a:r>
+            <a:endParaRPr lang="en-US"/>
           </a:p>
           <a:p>
             <a:pPr lvl="1"/>
@@ -1763,6 +1549,7 @@
               <a:rPr lang="en-US"/>
               <a:t>Second level</a:t>
             </a:r>
+            <a:endParaRPr lang="en-US"/>
           </a:p>
           <a:p>
             <a:pPr lvl="2"/>
@@ -1770,6 +1557,7 @@
               <a:rPr lang="en-US"/>
               <a:t>Third level</a:t>
             </a:r>
+            <a:endParaRPr lang="en-US"/>
           </a:p>
           <a:p>
             <a:pPr lvl="3"/>
@@ -1777,6 +1565,7 @@
               <a:rPr lang="en-US"/>
               <a:t>Fourth level</a:t>
             </a:r>
+            <a:endParaRPr lang="en-US"/>
           </a:p>
           <a:p>
             <a:pPr lvl="4"/>
@@ -1784,18 +1573,13 @@
               <a:rPr lang="en-US"/>
               <a:t>Fifth level</a:t>
             </a:r>
-          </a:p>
-        </p:txBody>
-      </p:sp>
-      <p:sp>
-        <p:nvSpPr>
-          <p:cNvPr id="7" name="Date Placeholder 6">
-            <a:extLst>
-              <a:ext uri="{FF2B5EF4-FFF2-40B4-BE49-F238E27FC236}">
-                <a16:creationId xmlns:a16="http://schemas.microsoft.com/office/drawing/2014/main" id="{82605D51-98BD-AA89-429D-42ED04974ED2}"/>
-              </a:ext>
-            </a:extLst>
-          </p:cNvPr>
+            <a:endParaRPr lang="en-US"/>
+          </a:p>
+        </p:txBody>
+      </p:sp>
+      <p:sp>
+        <p:nvSpPr>
+          <p:cNvPr id="7" name="Date Placeholder 6"/>
           <p:cNvSpPr>
             <a:spLocks noGrp="1"/>
           </p:cNvSpPr>
@@ -1810,7 +1594,6 @@
           <a:p>
             <a:fld id="{A6240C48-4297-4D48-BAC0-B15916813DBC}" type="datetimeFigureOut">
               <a:rPr lang="en-US" smtClean="0"/>
-              <a:t>10/23/2024</a:t>
             </a:fld>
             <a:endParaRPr lang="en-US"/>
           </a:p>
@@ -1818,13 +1601,7 @@
       </p:sp>
       <p:sp>
         <p:nvSpPr>
-          <p:cNvPr id="8" name="Footer Placeholder 7">
-            <a:extLst>
-              <a:ext uri="{FF2B5EF4-FFF2-40B4-BE49-F238E27FC236}">
-                <a16:creationId xmlns:a16="http://schemas.microsoft.com/office/drawing/2014/main" id="{379EB7BD-AB84-1B46-DA07-5430D15EE8E6}"/>
-              </a:ext>
-            </a:extLst>
-          </p:cNvPr>
+          <p:cNvPr id="8" name="Footer Placeholder 7"/>
           <p:cNvSpPr>
             <a:spLocks noGrp="1"/>
           </p:cNvSpPr>
@@ -1843,13 +1620,7 @@
       </p:sp>
       <p:sp>
         <p:nvSpPr>
-          <p:cNvPr id="9" name="Slide Number Placeholder 8">
-            <a:extLst>
-              <a:ext uri="{FF2B5EF4-FFF2-40B4-BE49-F238E27FC236}">
-                <a16:creationId xmlns:a16="http://schemas.microsoft.com/office/drawing/2014/main" id="{7DAAF663-B41E-EEC8-779E-59E7CEE4490B}"/>
-              </a:ext>
-            </a:extLst>
-          </p:cNvPr>
+          <p:cNvPr id="9" name="Slide Number Placeholder 8"/>
           <p:cNvSpPr>
             <a:spLocks noGrp="1"/>
           </p:cNvSpPr>
@@ -1864,18 +1635,12 @@
           <a:p>
             <a:fld id="{40F0A969-D9B5-441D-BA95-EF60B71DBED6}" type="slidenum">
               <a:rPr lang="en-US" smtClean="0"/>
-              <a:t>‹#›</a:t>
             </a:fld>
             <a:endParaRPr lang="en-US"/>
           </a:p>
         </p:txBody>
       </p:sp>
     </p:spTree>
-    <p:extLst>
-      <p:ext uri="{BB962C8B-B14F-4D97-AF65-F5344CB8AC3E}">
-        <p14:creationId xmlns:p14="http://schemas.microsoft.com/office/powerpoint/2010/main" val="3458054288"/>
-      </p:ext>
-    </p:extLst>
   </p:cSld>
   <p:clrMapOvr>
     <a:masterClrMapping/>
@@ -1902,13 +1667,7 @@
       </p:grpSpPr>
       <p:sp>
         <p:nvSpPr>
-          <p:cNvPr id="2" name="Title 1">
-            <a:extLst>
-              <a:ext uri="{FF2B5EF4-FFF2-40B4-BE49-F238E27FC236}">
-                <a16:creationId xmlns:a16="http://schemas.microsoft.com/office/drawing/2014/main" id="{8064BF65-C4C6-D3CA-9AA6-92AC04DBAC3B}"/>
-              </a:ext>
-            </a:extLst>
-          </p:cNvPr>
+          <p:cNvPr id="2" name="Title 1"/>
           <p:cNvSpPr>
             <a:spLocks noGrp="1"/>
           </p:cNvSpPr>
@@ -1925,18 +1684,13 @@
               <a:rPr lang="en-US"/>
               <a:t>Click to edit Master title style</a:t>
             </a:r>
-          </a:p>
-        </p:txBody>
-      </p:sp>
-      <p:sp>
-        <p:nvSpPr>
-          <p:cNvPr id="3" name="Date Placeholder 2">
-            <a:extLst>
-              <a:ext uri="{FF2B5EF4-FFF2-40B4-BE49-F238E27FC236}">
-                <a16:creationId xmlns:a16="http://schemas.microsoft.com/office/drawing/2014/main" id="{F55F9994-3C81-758B-1C77-242B346C43C8}"/>
-              </a:ext>
-            </a:extLst>
-          </p:cNvPr>
+            <a:endParaRPr lang="en-US"/>
+          </a:p>
+        </p:txBody>
+      </p:sp>
+      <p:sp>
+        <p:nvSpPr>
+          <p:cNvPr id="3" name="Date Placeholder 2"/>
           <p:cNvSpPr>
             <a:spLocks noGrp="1"/>
           </p:cNvSpPr>
@@ -1951,7 +1705,6 @@
           <a:p>
             <a:fld id="{A6240C48-4297-4D48-BAC0-B15916813DBC}" type="datetimeFigureOut">
               <a:rPr lang="en-US" smtClean="0"/>
-              <a:t>10/23/2024</a:t>
             </a:fld>
             <a:endParaRPr lang="en-US"/>
           </a:p>
@@ -1959,13 +1712,7 @@
       </p:sp>
       <p:sp>
         <p:nvSpPr>
-          <p:cNvPr id="4" name="Footer Placeholder 3">
-            <a:extLst>
-              <a:ext uri="{FF2B5EF4-FFF2-40B4-BE49-F238E27FC236}">
-                <a16:creationId xmlns:a16="http://schemas.microsoft.com/office/drawing/2014/main" id="{7911FC52-04DC-F7F9-19CE-4348C04F25F5}"/>
-              </a:ext>
-            </a:extLst>
-          </p:cNvPr>
+          <p:cNvPr id="4" name="Footer Placeholder 3"/>
           <p:cNvSpPr>
             <a:spLocks noGrp="1"/>
           </p:cNvSpPr>
@@ -1984,13 +1731,7 @@
       </p:sp>
       <p:sp>
         <p:nvSpPr>
-          <p:cNvPr id="5" name="Slide Number Placeholder 4">
-            <a:extLst>
-              <a:ext uri="{FF2B5EF4-FFF2-40B4-BE49-F238E27FC236}">
-                <a16:creationId xmlns:a16="http://schemas.microsoft.com/office/drawing/2014/main" id="{6264ADAC-B457-C94A-8563-2BDC80782EB8}"/>
-              </a:ext>
-            </a:extLst>
-          </p:cNvPr>
+          <p:cNvPr id="5" name="Slide Number Placeholder 4"/>
           <p:cNvSpPr>
             <a:spLocks noGrp="1"/>
           </p:cNvSpPr>
@@ -2005,18 +1746,12 @@
           <a:p>
             <a:fld id="{40F0A969-D9B5-441D-BA95-EF60B71DBED6}" type="slidenum">
               <a:rPr lang="en-US" smtClean="0"/>
-              <a:t>‹#›</a:t>
             </a:fld>
             <a:endParaRPr lang="en-US"/>
           </a:p>
         </p:txBody>
       </p:sp>
     </p:spTree>
-    <p:extLst>
-      <p:ext uri="{BB962C8B-B14F-4D97-AF65-F5344CB8AC3E}">
-        <p14:creationId xmlns:p14="http://schemas.microsoft.com/office/powerpoint/2010/main" val="3616073117"/>
-      </p:ext>
-    </p:extLst>
   </p:cSld>
   <p:clrMapOvr>
     <a:masterClrMapping/>
@@ -2043,13 +1778,7 @@
       </p:grpSpPr>
       <p:sp>
         <p:nvSpPr>
-          <p:cNvPr id="2" name="Date Placeholder 1">
-            <a:extLst>
-              <a:ext uri="{FF2B5EF4-FFF2-40B4-BE49-F238E27FC236}">
-                <a16:creationId xmlns:a16="http://schemas.microsoft.com/office/drawing/2014/main" id="{494D94D1-F072-FE65-7192-9D45AEDBA062}"/>
-              </a:ext>
-            </a:extLst>
-          </p:cNvPr>
+          <p:cNvPr id="2" name="Date Placeholder 1"/>
           <p:cNvSpPr>
             <a:spLocks noGrp="1"/>
           </p:cNvSpPr>
@@ -2064,7 +1793,6 @@
           <a:p>
             <a:fld id="{A6240C48-4297-4D48-BAC0-B15916813DBC}" type="datetimeFigureOut">
               <a:rPr lang="en-US" smtClean="0"/>
-              <a:t>10/23/2024</a:t>
             </a:fld>
             <a:endParaRPr lang="en-US"/>
           </a:p>
@@ -2072,13 +1800,7 @@
       </p:sp>
       <p:sp>
         <p:nvSpPr>
-          <p:cNvPr id="3" name="Footer Placeholder 2">
-            <a:extLst>
-              <a:ext uri="{FF2B5EF4-FFF2-40B4-BE49-F238E27FC236}">
-                <a16:creationId xmlns:a16="http://schemas.microsoft.com/office/drawing/2014/main" id="{3DE5D60B-6721-8459-100D-125C2A1EE4DF}"/>
-              </a:ext>
-            </a:extLst>
-          </p:cNvPr>
+          <p:cNvPr id="3" name="Footer Placeholder 2"/>
           <p:cNvSpPr>
             <a:spLocks noGrp="1"/>
           </p:cNvSpPr>
@@ -2097,13 +1819,7 @@
       </p:sp>
       <p:sp>
         <p:nvSpPr>
-          <p:cNvPr id="4" name="Slide Number Placeholder 3">
-            <a:extLst>
-              <a:ext uri="{FF2B5EF4-FFF2-40B4-BE49-F238E27FC236}">
-                <a16:creationId xmlns:a16="http://schemas.microsoft.com/office/drawing/2014/main" id="{4CF77BA3-9475-564D-465E-7C25C8C94AA2}"/>
-              </a:ext>
-            </a:extLst>
-          </p:cNvPr>
+          <p:cNvPr id="4" name="Slide Number Placeholder 3"/>
           <p:cNvSpPr>
             <a:spLocks noGrp="1"/>
           </p:cNvSpPr>
@@ -2118,18 +1834,12 @@
           <a:p>
             <a:fld id="{40F0A969-D9B5-441D-BA95-EF60B71DBED6}" type="slidenum">
               <a:rPr lang="en-US" smtClean="0"/>
-              <a:t>‹#›</a:t>
             </a:fld>
             <a:endParaRPr lang="en-US"/>
           </a:p>
         </p:txBody>
       </p:sp>
     </p:spTree>
-    <p:extLst>
-      <p:ext uri="{BB962C8B-B14F-4D97-AF65-F5344CB8AC3E}">
-        <p14:creationId xmlns:p14="http://schemas.microsoft.com/office/powerpoint/2010/main" val="214674017"/>
-      </p:ext>
-    </p:extLst>
   </p:cSld>
   <p:clrMapOvr>
     <a:masterClrMapping/>
@@ -2156,13 +1866,7 @@
       </p:grpSpPr>
       <p:sp>
         <p:nvSpPr>
-          <p:cNvPr id="2" name="Title 1">
-            <a:extLst>
-              <a:ext uri="{FF2B5EF4-FFF2-40B4-BE49-F238E27FC236}">
-                <a16:creationId xmlns:a16="http://schemas.microsoft.com/office/drawing/2014/main" id="{1BA3D6EB-BDB6-1640-1375-A5DCB1E36CE4}"/>
-              </a:ext>
-            </a:extLst>
-          </p:cNvPr>
+          <p:cNvPr id="2" name="Title 1"/>
           <p:cNvSpPr>
             <a:spLocks noGrp="1"/>
           </p:cNvSpPr>
@@ -2188,18 +1892,13 @@
               <a:rPr lang="en-US"/>
               <a:t>Click to edit Master title style</a:t>
             </a:r>
-          </a:p>
-        </p:txBody>
-      </p:sp>
-      <p:sp>
-        <p:nvSpPr>
-          <p:cNvPr id="3" name="Content Placeholder 2">
-            <a:extLst>
-              <a:ext uri="{FF2B5EF4-FFF2-40B4-BE49-F238E27FC236}">
-                <a16:creationId xmlns:a16="http://schemas.microsoft.com/office/drawing/2014/main" id="{7878D4C5-50FF-552B-954B-2B005E8AE0BA}"/>
-              </a:ext>
-            </a:extLst>
-          </p:cNvPr>
+            <a:endParaRPr lang="en-US"/>
+          </a:p>
+        </p:txBody>
+      </p:sp>
+      <p:sp>
+        <p:nvSpPr>
+          <p:cNvPr id="3" name="Content Placeholder 2"/>
           <p:cNvSpPr>
             <a:spLocks noGrp="1"/>
           </p:cNvSpPr>
@@ -2250,6 +1949,7 @@
               <a:rPr lang="en-US"/>
               <a:t>Click to edit Master text styles</a:t>
             </a:r>
+            <a:endParaRPr lang="en-US"/>
           </a:p>
           <a:p>
             <a:pPr lvl="1"/>
@@ -2257,6 +1957,7 @@
               <a:rPr lang="en-US"/>
               <a:t>Second level</a:t>
             </a:r>
+            <a:endParaRPr lang="en-US"/>
           </a:p>
           <a:p>
             <a:pPr lvl="2"/>
@@ -2264,6 +1965,7 @@
               <a:rPr lang="en-US"/>
               <a:t>Third level</a:t>
             </a:r>
+            <a:endParaRPr lang="en-US"/>
           </a:p>
           <a:p>
             <a:pPr lvl="3"/>
@@ -2271,6 +1973,7 @@
               <a:rPr lang="en-US"/>
               <a:t>Fourth level</a:t>
             </a:r>
+            <a:endParaRPr lang="en-US"/>
           </a:p>
           <a:p>
             <a:pPr lvl="4"/>
@@ -2278,18 +1981,13 @@
               <a:rPr lang="en-US"/>
               <a:t>Fifth level</a:t>
             </a:r>
-          </a:p>
-        </p:txBody>
-      </p:sp>
-      <p:sp>
-        <p:nvSpPr>
-          <p:cNvPr id="4" name="Text Placeholder 3">
-            <a:extLst>
-              <a:ext uri="{FF2B5EF4-FFF2-40B4-BE49-F238E27FC236}">
-                <a16:creationId xmlns:a16="http://schemas.microsoft.com/office/drawing/2014/main" id="{0F63B548-7F40-7928-8BDC-7C410BF0206F}"/>
-              </a:ext>
-            </a:extLst>
-          </p:cNvPr>
+            <a:endParaRPr lang="en-US"/>
+          </a:p>
+        </p:txBody>
+      </p:sp>
+      <p:sp>
+        <p:nvSpPr>
+          <p:cNvPr id="4" name="Text Placeholder 3"/>
           <p:cNvSpPr>
             <a:spLocks noGrp="1"/>
           </p:cNvSpPr>
@@ -2349,18 +2047,13 @@
               <a:rPr lang="en-US"/>
               <a:t>Click to edit Master text styles</a:t>
             </a:r>
-          </a:p>
-        </p:txBody>
-      </p:sp>
-      <p:sp>
-        <p:nvSpPr>
-          <p:cNvPr id="5" name="Date Placeholder 4">
-            <a:extLst>
-              <a:ext uri="{FF2B5EF4-FFF2-40B4-BE49-F238E27FC236}">
-                <a16:creationId xmlns:a16="http://schemas.microsoft.com/office/drawing/2014/main" id="{6A513C78-37C0-C011-F997-3AFE8F26EC71}"/>
-              </a:ext>
-            </a:extLst>
-          </p:cNvPr>
+            <a:endParaRPr lang="en-US"/>
+          </a:p>
+        </p:txBody>
+      </p:sp>
+      <p:sp>
+        <p:nvSpPr>
+          <p:cNvPr id="5" name="Date Placeholder 4"/>
           <p:cNvSpPr>
             <a:spLocks noGrp="1"/>
           </p:cNvSpPr>
@@ -2375,7 +2068,6 @@
           <a:p>
             <a:fld id="{A6240C48-4297-4D48-BAC0-B15916813DBC}" type="datetimeFigureOut">
               <a:rPr lang="en-US" smtClean="0"/>
-              <a:t>10/23/2024</a:t>
             </a:fld>
             <a:endParaRPr lang="en-US"/>
           </a:p>
@@ -2383,13 +2075,7 @@
       </p:sp>
       <p:sp>
         <p:nvSpPr>
-          <p:cNvPr id="6" name="Footer Placeholder 5">
-            <a:extLst>
-              <a:ext uri="{FF2B5EF4-FFF2-40B4-BE49-F238E27FC236}">
-                <a16:creationId xmlns:a16="http://schemas.microsoft.com/office/drawing/2014/main" id="{D4566946-D555-4E1D-3CE5-447ADFB99E39}"/>
-              </a:ext>
-            </a:extLst>
-          </p:cNvPr>
+          <p:cNvPr id="6" name="Footer Placeholder 5"/>
           <p:cNvSpPr>
             <a:spLocks noGrp="1"/>
           </p:cNvSpPr>
@@ -2408,13 +2094,7 @@
       </p:sp>
       <p:sp>
         <p:nvSpPr>
-          <p:cNvPr id="7" name="Slide Number Placeholder 6">
-            <a:extLst>
-              <a:ext uri="{FF2B5EF4-FFF2-40B4-BE49-F238E27FC236}">
-                <a16:creationId xmlns:a16="http://schemas.microsoft.com/office/drawing/2014/main" id="{F7E22C5C-6319-8270-9BB8-4C2E150F99D8}"/>
-              </a:ext>
-            </a:extLst>
-          </p:cNvPr>
+          <p:cNvPr id="7" name="Slide Number Placeholder 6"/>
           <p:cNvSpPr>
             <a:spLocks noGrp="1"/>
           </p:cNvSpPr>
@@ -2429,18 +2109,12 @@
           <a:p>
             <a:fld id="{40F0A969-D9B5-441D-BA95-EF60B71DBED6}" type="slidenum">
               <a:rPr lang="en-US" smtClean="0"/>
-              <a:t>‹#›</a:t>
             </a:fld>
             <a:endParaRPr lang="en-US"/>
           </a:p>
         </p:txBody>
       </p:sp>
     </p:spTree>
-    <p:extLst>
-      <p:ext uri="{BB962C8B-B14F-4D97-AF65-F5344CB8AC3E}">
-        <p14:creationId xmlns:p14="http://schemas.microsoft.com/office/powerpoint/2010/main" val="2182475589"/>
-      </p:ext>
-    </p:extLst>
   </p:cSld>
   <p:clrMapOvr>
     <a:masterClrMapping/>
@@ -2467,13 +2141,7 @@
       </p:grpSpPr>
       <p:sp>
         <p:nvSpPr>
-          <p:cNvPr id="2" name="Title 1">
-            <a:extLst>
-              <a:ext uri="{FF2B5EF4-FFF2-40B4-BE49-F238E27FC236}">
-                <a16:creationId xmlns:a16="http://schemas.microsoft.com/office/drawing/2014/main" id="{634D54D3-0D44-8523-2043-7DFD74174872}"/>
-              </a:ext>
-            </a:extLst>
-          </p:cNvPr>
+          <p:cNvPr id="2" name="Title 1"/>
           <p:cNvSpPr>
             <a:spLocks noGrp="1"/>
           </p:cNvSpPr>
@@ -2499,18 +2167,13 @@
               <a:rPr lang="en-US"/>
               <a:t>Click to edit Master title style</a:t>
             </a:r>
-          </a:p>
-        </p:txBody>
-      </p:sp>
-      <p:sp>
-        <p:nvSpPr>
-          <p:cNvPr id="3" name="Picture Placeholder 2">
-            <a:extLst>
-              <a:ext uri="{FF2B5EF4-FFF2-40B4-BE49-F238E27FC236}">
-                <a16:creationId xmlns:a16="http://schemas.microsoft.com/office/drawing/2014/main" id="{063499A9-5631-3B41-80D7-1E6B2A8C3D54}"/>
-              </a:ext>
-            </a:extLst>
-          </p:cNvPr>
+            <a:endParaRPr lang="en-US"/>
+          </a:p>
+        </p:txBody>
+      </p:sp>
+      <p:sp>
+        <p:nvSpPr>
+          <p:cNvPr id="3" name="Picture Placeholder 2"/>
           <p:cNvSpPr>
             <a:spLocks noGrp="1"/>
           </p:cNvSpPr>
@@ -2571,13 +2234,7 @@
       </p:sp>
       <p:sp>
         <p:nvSpPr>
-          <p:cNvPr id="4" name="Text Placeholder 3">
-            <a:extLst>
-              <a:ext uri="{FF2B5EF4-FFF2-40B4-BE49-F238E27FC236}">
-                <a16:creationId xmlns:a16="http://schemas.microsoft.com/office/drawing/2014/main" id="{55AC458D-44B7-9048-2711-024FC1B3AF39}"/>
-              </a:ext>
-            </a:extLst>
-          </p:cNvPr>
+          <p:cNvPr id="4" name="Text Placeholder 3"/>
           <p:cNvSpPr>
             <a:spLocks noGrp="1"/>
           </p:cNvSpPr>
@@ -2637,18 +2294,13 @@
               <a:rPr lang="en-US"/>
               <a:t>Click to edit Master text styles</a:t>
             </a:r>
-          </a:p>
-        </p:txBody>
-      </p:sp>
-      <p:sp>
-        <p:nvSpPr>
-          <p:cNvPr id="5" name="Date Placeholder 4">
-            <a:extLst>
-              <a:ext uri="{FF2B5EF4-FFF2-40B4-BE49-F238E27FC236}">
-                <a16:creationId xmlns:a16="http://schemas.microsoft.com/office/drawing/2014/main" id="{5986B103-D427-5D21-118D-A1B8F491D257}"/>
-              </a:ext>
-            </a:extLst>
-          </p:cNvPr>
+            <a:endParaRPr lang="en-US"/>
+          </a:p>
+        </p:txBody>
+      </p:sp>
+      <p:sp>
+        <p:nvSpPr>
+          <p:cNvPr id="5" name="Date Placeholder 4"/>
           <p:cNvSpPr>
             <a:spLocks noGrp="1"/>
           </p:cNvSpPr>
@@ -2663,7 +2315,6 @@
           <a:p>
             <a:fld id="{A6240C48-4297-4D48-BAC0-B15916813DBC}" type="datetimeFigureOut">
               <a:rPr lang="en-US" smtClean="0"/>
-              <a:t>10/23/2024</a:t>
             </a:fld>
             <a:endParaRPr lang="en-US"/>
           </a:p>
@@ -2671,13 +2322,7 @@
       </p:sp>
       <p:sp>
         <p:nvSpPr>
-          <p:cNvPr id="6" name="Footer Placeholder 5">
-            <a:extLst>
-              <a:ext uri="{FF2B5EF4-FFF2-40B4-BE49-F238E27FC236}">
-                <a16:creationId xmlns:a16="http://schemas.microsoft.com/office/drawing/2014/main" id="{95CD80A0-FF48-F27D-30D7-D430706B72B5}"/>
-              </a:ext>
-            </a:extLst>
-          </p:cNvPr>
+          <p:cNvPr id="6" name="Footer Placeholder 5"/>
           <p:cNvSpPr>
             <a:spLocks noGrp="1"/>
           </p:cNvSpPr>
@@ -2696,13 +2341,7 @@
       </p:sp>
       <p:sp>
         <p:nvSpPr>
-          <p:cNvPr id="7" name="Slide Number Placeholder 6">
-            <a:extLst>
-              <a:ext uri="{FF2B5EF4-FFF2-40B4-BE49-F238E27FC236}">
-                <a16:creationId xmlns:a16="http://schemas.microsoft.com/office/drawing/2014/main" id="{F9EC9E6F-63EF-D1C2-03D8-CEB0D2C0EC82}"/>
-              </a:ext>
-            </a:extLst>
-          </p:cNvPr>
+          <p:cNvPr id="7" name="Slide Number Placeholder 6"/>
           <p:cNvSpPr>
             <a:spLocks noGrp="1"/>
           </p:cNvSpPr>
@@ -2717,18 +2356,12 @@
           <a:p>
             <a:fld id="{40F0A969-D9B5-441D-BA95-EF60B71DBED6}" type="slidenum">
               <a:rPr lang="en-US" smtClean="0"/>
-              <a:t>‹#›</a:t>
             </a:fld>
             <a:endParaRPr lang="en-US"/>
           </a:p>
         </p:txBody>
       </p:sp>
     </p:spTree>
-    <p:extLst>
-      <p:ext uri="{BB962C8B-B14F-4D97-AF65-F5344CB8AC3E}">
-        <p14:creationId xmlns:p14="http://schemas.microsoft.com/office/powerpoint/2010/main" val="737344261"/>
-      </p:ext>
-    </p:extLst>
   </p:cSld>
   <p:clrMapOvr>
     <a:masterClrMapping/>
@@ -2760,13 +2393,7 @@
       </p:grpSpPr>
       <p:sp>
         <p:nvSpPr>
-          <p:cNvPr id="2" name="Title Placeholder 1">
-            <a:extLst>
-              <a:ext uri="{FF2B5EF4-FFF2-40B4-BE49-F238E27FC236}">
-                <a16:creationId xmlns:a16="http://schemas.microsoft.com/office/drawing/2014/main" id="{C2513FD3-71DE-F38F-E532-6B561F05B32A}"/>
-              </a:ext>
-            </a:extLst>
-          </p:cNvPr>
+          <p:cNvPr id="2" name="Title Placeholder 1"/>
           <p:cNvSpPr>
             <a:spLocks noGrp="1"/>
           </p:cNvSpPr>
@@ -2793,18 +2420,13 @@
               <a:rPr lang="en-US"/>
               <a:t>Click to edit Master title style</a:t>
             </a:r>
-          </a:p>
-        </p:txBody>
-      </p:sp>
-      <p:sp>
-        <p:nvSpPr>
-          <p:cNvPr id="3" name="Text Placeholder 2">
-            <a:extLst>
-              <a:ext uri="{FF2B5EF4-FFF2-40B4-BE49-F238E27FC236}">
-                <a16:creationId xmlns:a16="http://schemas.microsoft.com/office/drawing/2014/main" id="{6B5D0F9C-7D10-A57B-0097-8091B2D75352}"/>
-              </a:ext>
-            </a:extLst>
-          </p:cNvPr>
+            <a:endParaRPr lang="en-US"/>
+          </a:p>
+        </p:txBody>
+      </p:sp>
+      <p:sp>
+        <p:nvSpPr>
+          <p:cNvPr id="3" name="Text Placeholder 2"/>
           <p:cNvSpPr>
             <a:spLocks noGrp="1"/>
           </p:cNvSpPr>
@@ -2832,6 +2454,7 @@
               <a:rPr lang="en-US"/>
               <a:t>Click to edit Master text styles</a:t>
             </a:r>
+            <a:endParaRPr lang="en-US"/>
           </a:p>
           <a:p>
             <a:pPr lvl="1"/>
@@ -2839,6 +2462,7 @@
               <a:rPr lang="en-US"/>
               <a:t>Second level</a:t>
             </a:r>
+            <a:endParaRPr lang="en-US"/>
           </a:p>
           <a:p>
             <a:pPr lvl="2"/>
@@ -2846,6 +2470,7 @@
               <a:rPr lang="en-US"/>
               <a:t>Third level</a:t>
             </a:r>
+            <a:endParaRPr lang="en-US"/>
           </a:p>
           <a:p>
             <a:pPr lvl="3"/>
@@ -2853,6 +2478,7 @@
               <a:rPr lang="en-US"/>
               <a:t>Fourth level</a:t>
             </a:r>
+            <a:endParaRPr lang="en-US"/>
           </a:p>
           <a:p>
             <a:pPr lvl="4"/>
@@ -2860,18 +2486,13 @@
               <a:rPr lang="en-US"/>
               <a:t>Fifth level</a:t>
             </a:r>
-          </a:p>
-        </p:txBody>
-      </p:sp>
-      <p:sp>
-        <p:nvSpPr>
-          <p:cNvPr id="4" name="Date Placeholder 3">
-            <a:extLst>
-              <a:ext uri="{FF2B5EF4-FFF2-40B4-BE49-F238E27FC236}">
-                <a16:creationId xmlns:a16="http://schemas.microsoft.com/office/drawing/2014/main" id="{71BF15CA-2C41-7F4F-A754-C8A0FDC09161}"/>
-              </a:ext>
-            </a:extLst>
-          </p:cNvPr>
+            <a:endParaRPr lang="en-US"/>
+          </a:p>
+        </p:txBody>
+      </p:sp>
+      <p:sp>
+        <p:nvSpPr>
+          <p:cNvPr id="4" name="Date Placeholder 3"/>
           <p:cNvSpPr>
             <a:spLocks noGrp="1"/>
           </p:cNvSpPr>
@@ -2904,7 +2525,6 @@
           <a:p>
             <a:fld id="{A6240C48-4297-4D48-BAC0-B15916813DBC}" type="datetimeFigureOut">
               <a:rPr lang="en-US" smtClean="0"/>
-              <a:t>10/23/2024</a:t>
             </a:fld>
             <a:endParaRPr lang="en-US"/>
           </a:p>
@@ -2912,13 +2532,7 @@
       </p:sp>
       <p:sp>
         <p:nvSpPr>
-          <p:cNvPr id="5" name="Footer Placeholder 4">
-            <a:extLst>
-              <a:ext uri="{FF2B5EF4-FFF2-40B4-BE49-F238E27FC236}">
-                <a16:creationId xmlns:a16="http://schemas.microsoft.com/office/drawing/2014/main" id="{0CB7B746-15A3-9602-AC66-389FD67D045F}"/>
-              </a:ext>
-            </a:extLst>
-          </p:cNvPr>
+          <p:cNvPr id="5" name="Footer Placeholder 4"/>
           <p:cNvSpPr>
             <a:spLocks noGrp="1"/>
           </p:cNvSpPr>
@@ -2955,13 +2569,7 @@
       </p:sp>
       <p:sp>
         <p:nvSpPr>
-          <p:cNvPr id="6" name="Slide Number Placeholder 5">
-            <a:extLst>
-              <a:ext uri="{FF2B5EF4-FFF2-40B4-BE49-F238E27FC236}">
-                <a16:creationId xmlns:a16="http://schemas.microsoft.com/office/drawing/2014/main" id="{75585B42-ECB6-B135-C0C3-9541E3F989C2}"/>
-              </a:ext>
-            </a:extLst>
-          </p:cNvPr>
+          <p:cNvPr id="6" name="Slide Number Placeholder 5"/>
           <p:cNvSpPr>
             <a:spLocks noGrp="1"/>
           </p:cNvSpPr>
@@ -2994,18 +2602,12 @@
           <a:p>
             <a:fld id="{40F0A969-D9B5-441D-BA95-EF60B71DBED6}" type="slidenum">
               <a:rPr lang="en-US" smtClean="0"/>
-              <a:t>‹#›</a:t>
             </a:fld>
             <a:endParaRPr lang="en-US"/>
           </a:p>
         </p:txBody>
       </p:sp>
     </p:spTree>
-    <p:extLst>
-      <p:ext uri="{BB962C8B-B14F-4D97-AF65-F5344CB8AC3E}">
-        <p14:creationId xmlns:p14="http://schemas.microsoft.com/office/powerpoint/2010/main" val="912611006"/>
-      </p:ext>
-    </p:extLst>
   </p:cSld>
   <p:clrMap bg1="lt1" tx1="dk1" bg2="lt2" tx2="dk2" accent1="accent1" accent2="accent2" accent3="accent3" accent4="accent4" accent5="accent5" accent6="accent6" hlink="hlink" folHlink="folHlink"/>
   <p:sldLayoutIdLst>
@@ -3323,13 +2925,7 @@
       </p:grpSpPr>
       <p:sp>
         <p:nvSpPr>
-          <p:cNvPr id="4" name="Left Brace 3">
-            <a:extLst>
-              <a:ext uri="{FF2B5EF4-FFF2-40B4-BE49-F238E27FC236}">
-                <a16:creationId xmlns:a16="http://schemas.microsoft.com/office/drawing/2014/main" id="{0335C2CB-271A-5BD6-83C0-D89EA6433735}"/>
-              </a:ext>
-            </a:extLst>
-          </p:cNvPr>
+          <p:cNvPr id="4" name="Left Brace 3"/>
           <p:cNvSpPr/>
           <p:nvPr/>
         </p:nvSpPr>
@@ -3367,13 +2963,7 @@
       </p:sp>
       <p:sp>
         <p:nvSpPr>
-          <p:cNvPr id="5" name="TextBox 4">
-            <a:extLst>
-              <a:ext uri="{FF2B5EF4-FFF2-40B4-BE49-F238E27FC236}">
-                <a16:creationId xmlns:a16="http://schemas.microsoft.com/office/drawing/2014/main" id="{A62EAC71-20FE-C340-8480-2700A25D0187}"/>
-              </a:ext>
-            </a:extLst>
-          </p:cNvPr>
+          <p:cNvPr id="5" name="TextBox 4"/>
           <p:cNvSpPr txBox="1"/>
           <p:nvPr/>
         </p:nvSpPr>
@@ -3397,18 +2987,13 @@
               <a:rPr lang="en-US" dirty="0"/>
               <a:t>Record</a:t>
             </a:r>
-          </a:p>
-        </p:txBody>
-      </p:sp>
-      <p:sp>
-        <p:nvSpPr>
-          <p:cNvPr id="6" name="TextBox 5">
-            <a:extLst>
-              <a:ext uri="{FF2B5EF4-FFF2-40B4-BE49-F238E27FC236}">
-                <a16:creationId xmlns:a16="http://schemas.microsoft.com/office/drawing/2014/main" id="{CB615C63-7DB3-2A1C-AA68-A4ED820E5D34}"/>
-              </a:ext>
-            </a:extLst>
-          </p:cNvPr>
+            <a:endParaRPr lang="en-US" dirty="0"/>
+          </a:p>
+        </p:txBody>
+      </p:sp>
+      <p:sp>
+        <p:nvSpPr>
+          <p:cNvPr id="6" name="TextBox 5"/>
           <p:cNvSpPr txBox="1"/>
           <p:nvPr/>
         </p:nvSpPr>
@@ -3432,18 +3017,13 @@
               <a:rPr lang="en-US" dirty="0"/>
               <a:t>Input bar</a:t>
             </a:r>
-          </a:p>
-        </p:txBody>
-      </p:sp>
-      <p:sp>
-        <p:nvSpPr>
-          <p:cNvPr id="7" name="TextBox 6">
-            <a:extLst>
-              <a:ext uri="{FF2B5EF4-FFF2-40B4-BE49-F238E27FC236}">
-                <a16:creationId xmlns:a16="http://schemas.microsoft.com/office/drawing/2014/main" id="{6006099C-4D50-910D-FC70-BE52F325E9F5}"/>
-              </a:ext>
-            </a:extLst>
-          </p:cNvPr>
+            <a:endParaRPr lang="en-US" dirty="0"/>
+          </a:p>
+        </p:txBody>
+      </p:sp>
+      <p:sp>
+        <p:nvSpPr>
+          <p:cNvPr id="7" name="TextBox 6"/>
           <p:cNvSpPr txBox="1"/>
           <p:nvPr/>
         </p:nvSpPr>
@@ -3467,18 +3047,13 @@
               <a:rPr lang="en-US" dirty="0"/>
               <a:t>Message View</a:t>
             </a:r>
-          </a:p>
-        </p:txBody>
-      </p:sp>
-      <p:sp>
-        <p:nvSpPr>
-          <p:cNvPr id="9" name="Left Brace 8">
-            <a:extLst>
-              <a:ext uri="{FF2B5EF4-FFF2-40B4-BE49-F238E27FC236}">
-                <a16:creationId xmlns:a16="http://schemas.microsoft.com/office/drawing/2014/main" id="{C0E93411-8C5F-5235-F3CE-E2CFF04BA6A1}"/>
-              </a:ext>
-            </a:extLst>
-          </p:cNvPr>
+            <a:endParaRPr lang="en-US" dirty="0"/>
+          </a:p>
+        </p:txBody>
+      </p:sp>
+      <p:sp>
+        <p:nvSpPr>
+          <p:cNvPr id="9" name="Left Brace 8"/>
           <p:cNvSpPr/>
           <p:nvPr/>
         </p:nvSpPr>
@@ -3516,13 +3091,7 @@
       </p:sp>
       <p:sp>
         <p:nvSpPr>
-          <p:cNvPr id="10" name="TextBox 9">
-            <a:extLst>
-              <a:ext uri="{FF2B5EF4-FFF2-40B4-BE49-F238E27FC236}">
-                <a16:creationId xmlns:a16="http://schemas.microsoft.com/office/drawing/2014/main" id="{C340B4EB-8D88-D49E-C656-3E9EC4D2A64F}"/>
-              </a:ext>
-            </a:extLst>
-          </p:cNvPr>
+          <p:cNvPr id="10" name="TextBox 9"/>
           <p:cNvSpPr txBox="1"/>
           <p:nvPr/>
         </p:nvSpPr>
@@ -3546,18 +3115,13 @@
               <a:rPr lang="en-US" dirty="0"/>
               <a:t>Text input</a:t>
             </a:r>
-          </a:p>
-        </p:txBody>
-      </p:sp>
-      <p:sp>
-        <p:nvSpPr>
-          <p:cNvPr id="11" name="TextBox 10">
-            <a:extLst>
-              <a:ext uri="{FF2B5EF4-FFF2-40B4-BE49-F238E27FC236}">
-                <a16:creationId xmlns:a16="http://schemas.microsoft.com/office/drawing/2014/main" id="{67630DB6-364D-304A-2F40-9752BD646632}"/>
-              </a:ext>
-            </a:extLst>
-          </p:cNvPr>
+            <a:endParaRPr lang="en-US" dirty="0"/>
+          </a:p>
+        </p:txBody>
+      </p:sp>
+      <p:sp>
+        <p:nvSpPr>
+          <p:cNvPr id="11" name="TextBox 10"/>
           <p:cNvSpPr txBox="1"/>
           <p:nvPr/>
         </p:nvSpPr>
@@ -3581,18 +3145,13 @@
               <a:rPr lang="en-US" dirty="0"/>
               <a:t>Image input</a:t>
             </a:r>
-          </a:p>
-        </p:txBody>
-      </p:sp>
-      <p:sp>
-        <p:nvSpPr>
-          <p:cNvPr id="12" name="TextBox 11">
-            <a:extLst>
-              <a:ext uri="{FF2B5EF4-FFF2-40B4-BE49-F238E27FC236}">
-                <a16:creationId xmlns:a16="http://schemas.microsoft.com/office/drawing/2014/main" id="{7135FBFF-BA34-E8E2-2BA8-7B4B81ED4D8F}"/>
-              </a:ext>
-            </a:extLst>
-          </p:cNvPr>
+            <a:endParaRPr lang="en-US" dirty="0"/>
+          </a:p>
+        </p:txBody>
+      </p:sp>
+      <p:sp>
+        <p:nvSpPr>
+          <p:cNvPr id="12" name="TextBox 11"/>
           <p:cNvSpPr txBox="1"/>
           <p:nvPr/>
         </p:nvSpPr>
@@ -3616,18 +3175,13 @@
               <a:rPr lang="en-US" dirty="0"/>
               <a:t>File input</a:t>
             </a:r>
-          </a:p>
-        </p:txBody>
-      </p:sp>
-      <p:sp>
-        <p:nvSpPr>
-          <p:cNvPr id="13" name="TextBox 12">
-            <a:extLst>
-              <a:ext uri="{FF2B5EF4-FFF2-40B4-BE49-F238E27FC236}">
-                <a16:creationId xmlns:a16="http://schemas.microsoft.com/office/drawing/2014/main" id="{BBE56A62-DC72-D1C4-DA8F-C9AE118802F2}"/>
-              </a:ext>
-            </a:extLst>
-          </p:cNvPr>
+            <a:endParaRPr lang="en-US" dirty="0"/>
+          </a:p>
+        </p:txBody>
+      </p:sp>
+      <p:sp>
+        <p:nvSpPr>
+          <p:cNvPr id="13" name="TextBox 12"/>
           <p:cNvSpPr txBox="1"/>
           <p:nvPr/>
         </p:nvSpPr>
@@ -3651,18 +3205,13 @@
               <a:rPr lang="en-US" dirty="0"/>
               <a:t>Audio input</a:t>
             </a:r>
-          </a:p>
-        </p:txBody>
-      </p:sp>
-      <p:sp>
-        <p:nvSpPr>
-          <p:cNvPr id="16" name="Rectangle: Rounded Corners 15">
-            <a:extLst>
-              <a:ext uri="{FF2B5EF4-FFF2-40B4-BE49-F238E27FC236}">
-                <a16:creationId xmlns:a16="http://schemas.microsoft.com/office/drawing/2014/main" id="{D185D74D-0C35-3279-1538-D4D35F402920}"/>
-              </a:ext>
-            </a:extLst>
-          </p:cNvPr>
+            <a:endParaRPr lang="en-US" dirty="0"/>
+          </a:p>
+        </p:txBody>
+      </p:sp>
+      <p:sp>
+        <p:nvSpPr>
+          <p:cNvPr id="16" name="Rectangle: Rounded Corners 15"/>
           <p:cNvSpPr/>
           <p:nvPr/>
         </p:nvSpPr>
@@ -3700,18 +3249,13 @@
               <a:rPr lang="en-US" dirty="0"/>
               <a:t>Allow drag</a:t>
             </a:r>
-          </a:p>
-        </p:txBody>
-      </p:sp>
-      <p:sp>
-        <p:nvSpPr>
-          <p:cNvPr id="17" name="TextBox 16">
-            <a:extLst>
-              <a:ext uri="{FF2B5EF4-FFF2-40B4-BE49-F238E27FC236}">
-                <a16:creationId xmlns:a16="http://schemas.microsoft.com/office/drawing/2014/main" id="{D78719C3-E871-1E5C-3675-8F8B3C3B71C0}"/>
-              </a:ext>
-            </a:extLst>
-          </p:cNvPr>
+            <a:endParaRPr lang="en-US" dirty="0"/>
+          </a:p>
+        </p:txBody>
+      </p:sp>
+      <p:sp>
+        <p:nvSpPr>
+          <p:cNvPr id="17" name="TextBox 16"/>
           <p:cNvSpPr txBox="1"/>
           <p:nvPr/>
         </p:nvSpPr>
@@ -3735,18 +3279,13 @@
               <a:rPr lang="en-US" dirty="0"/>
               <a:t>Upload input</a:t>
             </a:r>
-          </a:p>
-        </p:txBody>
-      </p:sp>
-      <p:sp>
-        <p:nvSpPr>
-          <p:cNvPr id="22" name="TextBox 21">
-            <a:extLst>
-              <a:ext uri="{FF2B5EF4-FFF2-40B4-BE49-F238E27FC236}">
-                <a16:creationId xmlns:a16="http://schemas.microsoft.com/office/drawing/2014/main" id="{BDB9920C-6BEF-1597-C25C-DCF9E41B58FA}"/>
-              </a:ext>
-            </a:extLst>
-          </p:cNvPr>
+            <a:endParaRPr lang="en-US" dirty="0"/>
+          </a:p>
+        </p:txBody>
+      </p:sp>
+      <p:sp>
+        <p:nvSpPr>
+          <p:cNvPr id="22" name="TextBox 21"/>
           <p:cNvSpPr txBox="1"/>
           <p:nvPr/>
         </p:nvSpPr>
@@ -3792,20 +3331,14 @@
       </p:sp>
       <p:pic>
         <p:nvPicPr>
-          <p:cNvPr id="23" name="Picture 22">
-            <a:extLst>
-              <a:ext uri="{FF2B5EF4-FFF2-40B4-BE49-F238E27FC236}">
-                <a16:creationId xmlns:a16="http://schemas.microsoft.com/office/drawing/2014/main" id="{1ED31ABE-D991-52A0-07B4-EA9D0033A56C}"/>
-              </a:ext>
-            </a:extLst>
-          </p:cNvPr>
+          <p:cNvPr id="23" name="Picture 22"/>
           <p:cNvPicPr>
             <a:picLocks noChangeAspect="1"/>
           </p:cNvPicPr>
           <p:nvPr/>
         </p:nvPicPr>
         <p:blipFill>
-          <a:blip r:embed="rId2"/>
+          <a:blip r:embed="rId1"/>
           <a:stretch>
             <a:fillRect/>
           </a:stretch>
@@ -3821,11 +3354,236 @@
         </p:spPr>
       </p:pic>
     </p:spTree>
-    <p:extLst>
-      <p:ext uri="{BB962C8B-B14F-4D97-AF65-F5344CB8AC3E}">
-        <p14:creationId xmlns:p14="http://schemas.microsoft.com/office/powerpoint/2010/main" val="2418464611"/>
-      </p:ext>
-    </p:extLst>
+  </p:cSld>
+  <p:clrMapOvr>
+    <a:masterClrMapping/>
+  </p:clrMapOvr>
+</p:sld>
+</file>
+
+<file path=ppt/slides/slide2.xml><?xml version="1.0" encoding="utf-8"?>
+<p:sld xmlns:a="http://schemas.openxmlformats.org/drawingml/2006/main" xmlns:r="http://schemas.openxmlformats.org/officeDocument/2006/relationships" xmlns:p="http://schemas.openxmlformats.org/presentationml/2006/main">
+  <p:cSld>
+    <p:spTree>
+      <p:nvGrpSpPr>
+        <p:cNvPr id="1" name=""/>
+        <p:cNvGrpSpPr/>
+        <p:nvPr/>
+      </p:nvGrpSpPr>
+      <p:grpSpPr/>
+      <p:sp>
+        <p:nvSpPr>
+          <p:cNvPr id="5" name="Left Brace 3"/>
+          <p:cNvSpPr/>
+          <p:nvPr/>
+        </p:nvSpPr>
+        <p:spPr>
+          <a:xfrm>
+            <a:off x="2070474" y="1888980"/>
+            <a:ext cx="1439056" cy="3485213"/>
+          </a:xfrm>
+          <a:prstGeom prst="leftBrace">
+            <a:avLst/>
+          </a:prstGeom>
+        </p:spPr>
+        <p:style>
+          <a:lnRef idx="2">
+            <a:schemeClr val="accent1"/>
+          </a:lnRef>
+          <a:fillRef idx="0">
+            <a:schemeClr val="accent1"/>
+          </a:fillRef>
+          <a:effectRef idx="1">
+            <a:schemeClr val="accent1"/>
+          </a:effectRef>
+          <a:fontRef idx="minor">
+            <a:schemeClr val="tx1"/>
+          </a:fontRef>
+        </p:style>
+        <p:txBody>
+          <a:bodyPr rtlCol="0" anchor="ctr"/>
+          <a:p>
+            <a:pPr algn="ctr"/>
+            <a:endParaRPr lang="en-US"/>
+          </a:p>
+        </p:txBody>
+      </p:sp>
+      <p:sp>
+        <p:nvSpPr>
+          <p:cNvPr id="6" name="TextBox 4"/>
+          <p:cNvSpPr txBox="1"/>
+          <p:nvPr/>
+        </p:nvSpPr>
+        <p:spPr>
+          <a:xfrm>
+            <a:off x="841282" y="3446920"/>
+            <a:ext cx="1506511" cy="368300"/>
+          </a:xfrm>
+          <a:prstGeom prst="rect">
+            <a:avLst/>
+          </a:prstGeom>
+          <a:noFill/>
+        </p:spPr>
+        <p:txBody>
+          <a:bodyPr wrap="square" rtlCol="0">
+            <a:spAutoFit/>
+          </a:bodyPr>
+          <a:p>
+            <a:r>
+              <a:rPr lang="en-US" dirty="0"/>
+              <a:t>B</a:t>
+            </a:r>
+            <a:r>
+              <a:rPr lang="en-US" dirty="0"/>
+              <a:t>ackend</a:t>
+            </a:r>
+            <a:endParaRPr lang="en-US" dirty="0"/>
+          </a:p>
+        </p:txBody>
+      </p:sp>
+      <p:sp>
+        <p:nvSpPr>
+          <p:cNvPr id="7" name="TextBox 5"/>
+          <p:cNvSpPr txBox="1"/>
+          <p:nvPr/>
+        </p:nvSpPr>
+        <p:spPr>
+          <a:xfrm>
+            <a:off x="3399604" y="2242710"/>
+            <a:ext cx="1506511" cy="368300"/>
+          </a:xfrm>
+          <a:prstGeom prst="rect">
+            <a:avLst/>
+          </a:prstGeom>
+          <a:noFill/>
+        </p:spPr>
+        <p:txBody>
+          <a:bodyPr wrap="square" rtlCol="0">
+            <a:spAutoFit/>
+          </a:bodyPr>
+          <a:p>
+            <a:r>
+              <a:rPr lang="en-US" dirty="0"/>
+              <a:t>S</a:t>
+            </a:r>
+            <a:r>
+              <a:rPr lang="en-US" dirty="0"/>
+              <a:t>ervice</a:t>
+            </a:r>
+            <a:endParaRPr lang="en-US" dirty="0"/>
+          </a:p>
+        </p:txBody>
+      </p:sp>
+      <p:sp>
+        <p:nvSpPr>
+          <p:cNvPr id="8" name="TextBox 6"/>
+          <p:cNvSpPr txBox="1"/>
+          <p:nvPr/>
+        </p:nvSpPr>
+        <p:spPr>
+          <a:xfrm>
+            <a:off x="3274683" y="4211419"/>
+            <a:ext cx="1881267" cy="368300"/>
+          </a:xfrm>
+          <a:prstGeom prst="rect">
+            <a:avLst/>
+          </a:prstGeom>
+          <a:noFill/>
+        </p:spPr>
+        <p:txBody>
+          <a:bodyPr wrap="square" rtlCol="0">
+            <a:spAutoFit/>
+          </a:bodyPr>
+          <a:p>
+            <a:r>
+              <a:rPr lang="en-US" dirty="0"/>
+              <a:t>S</a:t>
+            </a:r>
+            <a:r>
+              <a:rPr lang="en-US" dirty="0"/>
+              <a:t>torage</a:t>
+            </a:r>
+            <a:endParaRPr lang="en-US" dirty="0"/>
+          </a:p>
+        </p:txBody>
+      </p:sp>
+    </p:spTree>
+  </p:cSld>
+  <p:clrMapOvr>
+    <a:masterClrMapping/>
+  </p:clrMapOvr>
+</p:sld>
+</file>
+
+<file path=ppt/slides/slide3.xml><?xml version="1.0" encoding="utf-8"?>
+<p:sld xmlns:a="http://schemas.openxmlformats.org/drawingml/2006/main" xmlns:r="http://schemas.openxmlformats.org/officeDocument/2006/relationships" xmlns:p="http://schemas.openxmlformats.org/presentationml/2006/main">
+  <p:cSld>
+    <p:spTree>
+      <p:nvGrpSpPr>
+        <p:cNvPr id="1" name=""/>
+        <p:cNvGrpSpPr/>
+        <p:nvPr/>
+      </p:nvGrpSpPr>
+      <p:grpSpPr/>
+      <p:sp>
+        <p:nvSpPr>
+          <p:cNvPr id="6" name="TextBox 4"/>
+          <p:cNvSpPr txBox="1"/>
+          <p:nvPr/>
+        </p:nvSpPr>
+        <p:spPr>
+          <a:xfrm>
+            <a:off x="841375" y="3446780"/>
+            <a:ext cx="544830" cy="368300"/>
+          </a:xfrm>
+          <a:prstGeom prst="rect">
+            <a:avLst/>
+          </a:prstGeom>
+          <a:noFill/>
+        </p:spPr>
+        <p:txBody>
+          <a:bodyPr wrap="square" rtlCol="0">
+            <a:spAutoFit/>
+          </a:bodyPr>
+          <a:p>
+            <a:r>
+              <a:rPr lang="en-US" dirty="0"/>
+              <a:t>db</a:t>
+            </a:r>
+            <a:endParaRPr lang="en-US" dirty="0"/>
+          </a:p>
+        </p:txBody>
+      </p:sp>
+      <p:sp>
+        <p:nvSpPr>
+          <p:cNvPr id="7" name="TextBox 5"/>
+          <p:cNvSpPr txBox="1"/>
+          <p:nvPr/>
+        </p:nvSpPr>
+        <p:spPr>
+          <a:xfrm>
+            <a:off x="1635574" y="3446670"/>
+            <a:ext cx="1506511" cy="368300"/>
+          </a:xfrm>
+          <a:prstGeom prst="rect">
+            <a:avLst/>
+          </a:prstGeom>
+          <a:noFill/>
+        </p:spPr>
+        <p:txBody>
+          <a:bodyPr wrap="square" rtlCol="0">
+            <a:spAutoFit/>
+          </a:bodyPr>
+          <a:p>
+            <a:r>
+              <a:rPr lang="en-US" dirty="0"/>
+              <a:t>UID</a:t>
+            </a:r>
+            <a:endParaRPr lang="en-US" dirty="0"/>
+          </a:p>
+        </p:txBody>
+      </p:sp>
+    </p:spTree>
   </p:cSld>
   <p:clrMapOvr>
     <a:masterClrMapping/>
@@ -3876,7 +3634,7 @@
     </a:clrScheme>
     <a:fontScheme name="Office">
       <a:majorFont>
-        <a:latin typeface="Aptos Display" panose="02110004020202020204"/>
+        <a:latin typeface="Aptos Display"/>
         <a:ea typeface=""/>
         <a:cs typeface=""/>
         <a:font script="Jpan" typeface="游ゴシック Light"/>
@@ -3909,26 +3667,9 @@
         <a:font script="Viet" typeface="Times New Roman"/>
         <a:font script="Uigh" typeface="Microsoft Uighur"/>
         <a:font script="Geor" typeface="Sylfaen"/>
-        <a:font script="Armn" typeface="Arial"/>
-        <a:font script="Bugi" typeface="Leelawadee UI"/>
-        <a:font script="Bopo" typeface="Microsoft JhengHei"/>
-        <a:font script="Java" typeface="Javanese Text"/>
-        <a:font script="Lisu" typeface="Segoe UI"/>
-        <a:font script="Mymr" typeface="Myanmar Text"/>
-        <a:font script="Nkoo" typeface="Ebrima"/>
-        <a:font script="Olck" typeface="Nirmala UI"/>
-        <a:font script="Osma" typeface="Ebrima"/>
-        <a:font script="Phag" typeface="Phagspa"/>
-        <a:font script="Syrn" typeface="Estrangelo Edessa"/>
-        <a:font script="Syrj" typeface="Estrangelo Edessa"/>
-        <a:font script="Syre" typeface="Estrangelo Edessa"/>
-        <a:font script="Sora" typeface="Nirmala UI"/>
-        <a:font script="Tale" typeface="Microsoft Tai Le"/>
-        <a:font script="Talu" typeface="Microsoft New Tai Lue"/>
-        <a:font script="Tfng" typeface="Ebrima"/>
       </a:majorFont>
       <a:minorFont>
-        <a:latin typeface="Aptos" panose="02110004020202020204"/>
+        <a:latin typeface="Aptos"/>
         <a:ea typeface=""/>
         <a:cs typeface=""/>
         <a:font script="Jpan" typeface="游ゴシック"/>
@@ -3961,23 +3702,6 @@
         <a:font script="Viet" typeface="Arial"/>
         <a:font script="Uigh" typeface="Microsoft Uighur"/>
         <a:font script="Geor" typeface="Sylfaen"/>
-        <a:font script="Armn" typeface="Arial"/>
-        <a:font script="Bugi" typeface="Leelawadee UI"/>
-        <a:font script="Bopo" typeface="Microsoft JhengHei"/>
-        <a:font script="Java" typeface="Javanese Text"/>
-        <a:font script="Lisu" typeface="Segoe UI"/>
-        <a:font script="Mymr" typeface="Myanmar Text"/>
-        <a:font script="Nkoo" typeface="Ebrima"/>
-        <a:font script="Olck" typeface="Nirmala UI"/>
-        <a:font script="Osma" typeface="Ebrima"/>
-        <a:font script="Phag" typeface="Phagspa"/>
-        <a:font script="Syrn" typeface="Estrangelo Edessa"/>
-        <a:font script="Syrj" typeface="Estrangelo Edessa"/>
-        <a:font script="Syre" typeface="Estrangelo Edessa"/>
-        <a:font script="Sora" typeface="Nirmala UI"/>
-        <a:font script="Tale" typeface="Microsoft Tai Le"/>
-        <a:font script="Talu" typeface="Microsoft New Tai Lue"/>
-        <a:font script="Tfng" typeface="Ebrima"/>
       </a:minorFont>
     </a:fontScheme>
     <a:fmtScheme name="Office">
@@ -4139,10 +3863,9 @@
       </a:style>
     </a:lnDef>
   </a:objectDefaults>
-  <a:extraClrSchemeLst/>
   <a:extLst>
     <a:ext uri="{05A4C25C-085E-4340-85A3-A5531E510DB2}">
-      <thm15:themeFamily xmlns:thm15="http://schemas.microsoft.com/office/thememl/2012/main" name="Office Theme" id="{2E142A2C-CD16-42D6-873A-C26D2A0506FA}" vid="{1BDDFF52-6CD6-40A5-AB3C-68EB2F1E4D0A}"/>
+      <thm15:themeFamily xmlns:thm15="http://schemas.microsoft.com/office/thememl/2012/main" name="Office Theme" id="{62F939B6-93AF-4DB8-9C6B-D6C7DFDC589F}" vid="{4A3C46E8-61CC-4603-A589-7422A47A8E4A}"/>
     </a:ext>
   </a:extLst>
 </a:theme>
